--- a/slides/Assessment Presentation.pptx
+++ b/slides/Assessment Presentation.pptx
@@ -7,6 +7,12 @@
   <p:sldIdLst>
     <p:sldId id="256" r:id="rId2"/>
     <p:sldId id="257" r:id="rId3"/>
+    <p:sldId id="258" r:id="rId4"/>
+    <p:sldId id="259" r:id="rId5"/>
+    <p:sldId id="260" r:id="rId6"/>
+    <p:sldId id="261" r:id="rId7"/>
+    <p:sldId id="262" r:id="rId8"/>
+    <p:sldId id="263" r:id="rId9"/>
   </p:sldIdLst>
   <p:sldSz cx="12192000" cy="6858000"/>
   <p:notesSz cx="6858000" cy="9144000"/>
@@ -105,6 +111,11 @@
       </a:defRPr>
     </a:lvl9pPr>
   </p:defaultTextStyle>
+  <p:extLst>
+    <p:ext uri="{EFAFB233-063F-42B5-8137-9DF3F51BA10A}">
+      <p15:sldGuideLst xmlns:p15="http://schemas.microsoft.com/office/powerpoint/2012/main"/>
+    </p:ext>
+  </p:extLst>
 </p:presentation>
 </file>
 
@@ -261,7 +272,7 @@
           <a:p>
             <a:fld id="{C128FA71-3A18-48C0-980F-4B68F7F63042}" type="datetime1">
               <a:rPr lang="en-US" smtClean="0"/>
-              <a:t>10/5/25</a:t>
+              <a:t>10/10/25</a:t>
             </a:fld>
             <a:endParaRPr lang="en-US"/>
           </a:p>
@@ -469,7 +480,7 @@
           <a:p>
             <a:fld id="{7104EDB3-C0E8-45F8-9E1D-1B6C8D1880C0}" type="datetime1">
               <a:rPr lang="en-US" smtClean="0"/>
-              <a:t>10/5/25</a:t>
+              <a:t>10/10/25</a:t>
             </a:fld>
             <a:endParaRPr lang="en-US"/>
           </a:p>
@@ -679,7 +690,7 @@
           <a:p>
             <a:fld id="{9CF0EC4B-54ED-4041-B552-9BA760FA3DBA}" type="datetime1">
               <a:rPr lang="en-US" smtClean="0"/>
-              <a:t>10/5/25</a:t>
+              <a:t>10/10/25</a:t>
             </a:fld>
             <a:endParaRPr lang="en-US"/>
           </a:p>
@@ -877,7 +888,7 @@
           <a:p>
             <a:fld id="{51C1210E-201E-4473-82AC-2466F5386C38}" type="datetime1">
               <a:rPr lang="en-US" smtClean="0"/>
-              <a:t>10/5/25</a:t>
+              <a:t>10/10/25</a:t>
             </a:fld>
             <a:endParaRPr lang="en-US"/>
           </a:p>
@@ -1155,7 +1166,7 @@
           <a:p>
             <a:fld id="{B01EA198-6CAB-4B8F-B93F-1F9C8C4B6CE7}" type="datetime1">
               <a:rPr lang="en-US" smtClean="0"/>
-              <a:t>10/5/25</a:t>
+              <a:t>10/10/25</a:t>
             </a:fld>
             <a:endParaRPr lang="en-US"/>
           </a:p>
@@ -1427,7 +1438,7 @@
           <a:p>
             <a:fld id="{CA06041F-4525-44D5-AA4F-332294BF1F56}" type="datetime1">
               <a:rPr lang="en-US" smtClean="0"/>
-              <a:t>10/5/25</a:t>
+              <a:t>10/10/25</a:t>
             </a:fld>
             <a:endParaRPr lang="en-US"/>
           </a:p>
@@ -1851,7 +1862,7 @@
           <a:p>
             <a:fld id="{F9557091-BBDF-4EB9-BA6B-2BB67AC4FC0F}" type="datetime1">
               <a:rPr lang="en-US" smtClean="0"/>
-              <a:t>10/5/25</a:t>
+              <a:t>10/10/25</a:t>
             </a:fld>
             <a:endParaRPr lang="en-US"/>
           </a:p>
@@ -1992,7 +2003,7 @@
           <a:p>
             <a:fld id="{2D6B226B-77A6-410C-9796-083F278E0125}" type="datetime1">
               <a:rPr lang="en-US" smtClean="0"/>
-              <a:t>10/5/25</a:t>
+              <a:t>10/10/25</a:t>
             </a:fld>
             <a:endParaRPr lang="en-US"/>
           </a:p>
@@ -2105,7 +2116,7 @@
           <a:p>
             <a:fld id="{A23A578B-D289-4C40-8593-3D356C49DA58}" type="datetime1">
               <a:rPr lang="en-US" smtClean="0"/>
-              <a:t>10/5/25</a:t>
+              <a:t>10/10/25</a:t>
             </a:fld>
             <a:endParaRPr lang="en-US"/>
           </a:p>
@@ -2424,7 +2435,7 @@
           <a:p>
             <a:fld id="{713DFAE3-14DB-48A7-A80F-80DDB072CE3D}" type="datetime1">
               <a:rPr lang="en-US" smtClean="0"/>
-              <a:t>10/5/25</a:t>
+              <a:t>10/10/25</a:t>
             </a:fld>
             <a:endParaRPr lang="en-US"/>
           </a:p>
@@ -2718,7 +2729,7 @@
           <a:p>
             <a:fld id="{92C5EAEF-6478-4102-8F5D-A5FE9FC97ACB}" type="datetime1">
               <a:rPr lang="en-US" smtClean="0"/>
-              <a:t>10/5/25</a:t>
+              <a:t>10/10/25</a:t>
             </a:fld>
             <a:endParaRPr lang="en-US"/>
           </a:p>
@@ -2959,7 +2970,7 @@
           <a:p>
             <a:fld id="{67F45AC6-C491-4585-A584-9CE2AF7D5500}" type="datetime1">
               <a:rPr lang="en-US" smtClean="0"/>
-              <a:t>10/5/25</a:t>
+              <a:t>10/10/25</a:t>
             </a:fld>
             <a:endParaRPr lang="en-US"/>
           </a:p>
@@ -3619,15 +3630,23 @@
             <p:ph type="title"/>
           </p:nvPr>
         </p:nvSpPr>
-        <p:spPr/>
+        <p:spPr>
+          <a:xfrm>
+            <a:off x="612648" y="458020"/>
+            <a:ext cx="11208580" cy="1132258"/>
+          </a:xfrm>
+        </p:spPr>
         <p:txBody>
-          <a:bodyPr/>
+          <a:bodyPr>
+            <a:normAutofit/>
+          </a:bodyPr>
           <a:lstStyle/>
           <a:p>
             <a:r>
-              <a:rPr lang="en-US" dirty="0"/>
-              <a:t>Problem Summary</a:t>
-            </a:r>
+              <a:rPr lang="en-GB" sz="2800" dirty="0"/>
+              <a:t>Predicting Income Category from Demographic and Employment Data</a:t>
+            </a:r>
+            <a:endParaRPr lang="en-US" sz="2800" dirty="0"/>
           </a:p>
         </p:txBody>
       </p:sp>
@@ -3649,7 +3668,7 @@
         </p:nvSpPr>
         <p:spPr bwMode="auto">
           <a:xfrm>
-            <a:off x="612648" y="1155658"/>
+            <a:off x="612648" y="1155657"/>
             <a:ext cx="10653578" cy="5078313"/>
           </a:xfrm>
           <a:prstGeom prst="rect">
@@ -3841,51 +3860,155 @@
               <a:buNone/>
               <a:tabLst/>
             </a:pPr>
-            <a:r>
-              <a:rPr kumimoji="0" lang="en-US" altLang="en-US" sz="1800" b="0" i="0" u="none" strike="noStrike" cap="none" normalizeH="0" baseline="0" dirty="0" err="1">
-                <a:ln>
-                  <a:noFill/>
-                </a:ln>
+            <a:endParaRPr lang="en-US" altLang="en-US" sz="1800" dirty="0">
+              <a:solidFill>
+                <a:srgbClr val="000000"/>
+              </a:solidFill>
+            </a:endParaRPr>
+          </a:p>
+          <a:p>
+            <a:pPr marL="0" lvl="0" indent="0">
+              <a:lnSpc>
+                <a:spcPct val="100000"/>
+              </a:lnSpc>
+              <a:buFontTx/>
+              <a:buChar char="•"/>
+            </a:pPr>
+            <a:r>
+              <a:rPr lang="en-US" altLang="en-US" sz="1800" dirty="0">
                 <a:solidFill>
                   <a:srgbClr val="000000"/>
                 </a:solidFill>
-                <a:effectLst/>
-                <a:latin typeface="Arial" panose="020B0604020202020204" pitchFamily="34" charset="0"/>
               </a:rPr>
-              <a:t>A</a:t>
-            </a:r>
-            <a:r>
-              <a:rPr lang="en-US" altLang="en-US" sz="1800" dirty="0" err="1">
+              <a:t> Objective: Develop a predictive model to classify individuals as earning</a:t>
+            </a:r>
+          </a:p>
+          <a:p>
+            <a:pPr marL="0" lvl="0" indent="0">
+              <a:lnSpc>
+                <a:spcPct val="100000"/>
+              </a:lnSpc>
+              <a:buNone/>
+            </a:pPr>
+            <a:r>
+              <a:rPr lang="en-US" altLang="en-US" sz="1800" b="1" dirty="0">
+                <a:solidFill>
+                  <a:srgbClr val="7030A0"/>
+                </a:solidFill>
+              </a:rPr>
+              <a:t>≤50K</a:t>
+            </a:r>
+            <a:r>
+              <a:rPr lang="en-US" altLang="en-US" sz="1800" dirty="0">
+                <a:solidFill>
+                  <a:srgbClr val="7030A0"/>
+                </a:solidFill>
+              </a:rPr>
+              <a:t> or </a:t>
+            </a:r>
+            <a:r>
+              <a:rPr lang="en-US" altLang="en-US" sz="1800" b="1" dirty="0">
+                <a:solidFill>
+                  <a:srgbClr val="7030A0"/>
+                </a:solidFill>
+              </a:rPr>
+              <a:t>&gt;50K</a:t>
+            </a:r>
+            <a:r>
+              <a:rPr lang="en-US" altLang="en-US" sz="1800" dirty="0">
                 <a:solidFill>
                   <a:srgbClr val="000000"/>
                 </a:solidFill>
               </a:rPr>
-              <a:t>nalyse</a:t>
-            </a:r>
+              <a:t> per year.</a:t>
+            </a:r>
+          </a:p>
+          <a:p>
+            <a:pPr marL="0" lvl="0" indent="0">
+              <a:lnSpc>
+                <a:spcPct val="100000"/>
+              </a:lnSpc>
+              <a:buNone/>
+            </a:pPr>
+            <a:endParaRPr lang="en-US" altLang="en-US" sz="1800" dirty="0">
+              <a:solidFill>
+                <a:srgbClr val="000000"/>
+              </a:solidFill>
+            </a:endParaRPr>
+          </a:p>
+          <a:p>
+            <a:pPr marL="0" lvl="0" indent="0">
+              <a:lnSpc>
+                <a:spcPct val="100000"/>
+              </a:lnSpc>
+              <a:buNone/>
+            </a:pPr>
+            <a:endParaRPr lang="en-US" altLang="en-US" sz="1800" dirty="0">
+              <a:solidFill>
+                <a:srgbClr val="000000"/>
+              </a:solidFill>
+            </a:endParaRPr>
+          </a:p>
+          <a:p>
+            <a:pPr marL="0" lvl="0" indent="0">
+              <a:lnSpc>
+                <a:spcPct val="100000"/>
+              </a:lnSpc>
+              <a:buFontTx/>
+              <a:buChar char="•"/>
+            </a:pPr>
             <a:r>
               <a:rPr lang="en-US" altLang="en-US" sz="1800" dirty="0">
                 <a:solidFill>
                   <a:srgbClr val="000000"/>
                 </a:solidFill>
               </a:rPr>
-              <a:t> U.S. Census data to </a:t>
-            </a:r>
-            <a:r>
-              <a:rPr lang="en-US" altLang="en-US" sz="1800" b="1" dirty="0">
+              <a:t> Data: Extracted from the U.S. Census Bureau database.</a:t>
+            </a:r>
+          </a:p>
+          <a:p>
+            <a:pPr marL="0" lvl="0" indent="0">
+              <a:lnSpc>
+                <a:spcPct val="100000"/>
+              </a:lnSpc>
+              <a:buNone/>
+            </a:pPr>
+            <a:endParaRPr lang="en-US" altLang="en-US" sz="1800" dirty="0">
+              <a:solidFill>
+                <a:srgbClr val="000000"/>
+              </a:solidFill>
+            </a:endParaRPr>
+          </a:p>
+          <a:p>
+            <a:pPr marL="0" lvl="0" indent="0">
+              <a:lnSpc>
+                <a:spcPct val="100000"/>
+              </a:lnSpc>
+              <a:buNone/>
+            </a:pPr>
+            <a:endParaRPr lang="en-US" altLang="en-US" sz="1800" dirty="0">
+              <a:solidFill>
+                <a:srgbClr val="000000"/>
+              </a:solidFill>
+            </a:endParaRPr>
+          </a:p>
+          <a:p>
+            <a:pPr marL="0" lvl="0" indent="0">
+              <a:lnSpc>
+                <a:spcPct val="100000"/>
+              </a:lnSpc>
+              <a:buFontTx/>
+              <a:buChar char="•"/>
+            </a:pPr>
+            <a:r>
+              <a:rPr lang="en-US" altLang="en-US" sz="1800" dirty="0">
                 <a:solidFill>
                   <a:srgbClr val="000000"/>
                 </a:solidFill>
               </a:rPr>
-              <a:t>understand which personal or work-related characteristics</a:t>
-            </a:r>
-            <a:r>
-              <a:rPr lang="en-US" altLang="en-US" sz="1800" dirty="0">
-                <a:solidFill>
-                  <a:srgbClr val="000000"/>
-                </a:solidFill>
-              </a:rPr>
-              <a:t> are linked to whether someone earns more or less than $50k per year.</a:t>
-            </a:r>
+              <a:t> Use case: Identify socioeconomic patterns and drivers of income inequality.</a:t>
+            </a:r>
+            <a:endParaRPr lang="en-US" altLang="en-US" sz="1800" dirty="0"/>
           </a:p>
           <a:p>
             <a:pPr marL="0" marR="0" lvl="0" indent="0" algn="l" defTabSz="914400" rtl="0" eaLnBrk="0" fontAlgn="base" latinLnBrk="0" hangingPunct="0">
@@ -3973,11 +4096,14 @@
               <a:buNone/>
               <a:tabLst/>
             </a:pPr>
-            <a:endParaRPr lang="en-US" altLang="en-US" sz="1800" dirty="0">
-              <a:solidFill>
-                <a:srgbClr val="000000"/>
-              </a:solidFill>
-            </a:endParaRPr>
+            <a:r>
+              <a:rPr lang="en-US" altLang="en-US" sz="1800" u="sng" dirty="0">
+                <a:solidFill>
+                  <a:srgbClr val="7030A0"/>
+                </a:solidFill>
+              </a:rPr>
+              <a:t>Binary classification problem — predicting if income is:</a:t>
+            </a:r>
           </a:p>
           <a:p>
             <a:pPr marL="0" marR="0" lvl="0" indent="0" algn="l" defTabSz="914400" rtl="0" eaLnBrk="0" fontAlgn="base" latinLnBrk="0" hangingPunct="0">
@@ -3998,173 +4124,9 @@
             </a:pPr>
             <a:endParaRPr lang="en-US" altLang="en-US" sz="1800" dirty="0">
               <a:solidFill>
-                <a:srgbClr val="000000"/>
+                <a:srgbClr val="7030A0"/>
               </a:solidFill>
             </a:endParaRPr>
-          </a:p>
-          <a:p>
-            <a:pPr marL="0" marR="0" lvl="0" indent="0" algn="l" defTabSz="914400" rtl="0" eaLnBrk="0" fontAlgn="base" latinLnBrk="0" hangingPunct="0">
-              <a:lnSpc>
-                <a:spcPct val="100000"/>
-              </a:lnSpc>
-              <a:spcBef>
-                <a:spcPct val="0"/>
-              </a:spcBef>
-              <a:spcAft>
-                <a:spcPct val="0"/>
-              </a:spcAft>
-              <a:buClrTx/>
-              <a:buSzTx/>
-              <a:buFontTx/>
-              <a:buNone/>
-              <a:tabLst/>
-            </a:pPr>
-            <a:endParaRPr lang="en-US" altLang="en-US" sz="1800" dirty="0">
-              <a:solidFill>
-                <a:srgbClr val="000000"/>
-              </a:solidFill>
-            </a:endParaRPr>
-          </a:p>
-          <a:p>
-            <a:pPr marL="0" marR="0" lvl="0" indent="0" algn="l" defTabSz="914400" rtl="0" eaLnBrk="0" fontAlgn="base" latinLnBrk="0" hangingPunct="0">
-              <a:lnSpc>
-                <a:spcPct val="100000"/>
-              </a:lnSpc>
-              <a:spcBef>
-                <a:spcPct val="0"/>
-              </a:spcBef>
-              <a:spcAft>
-                <a:spcPct val="0"/>
-              </a:spcAft>
-              <a:buClrTx/>
-              <a:buSzTx/>
-              <a:buFontTx/>
-              <a:buNone/>
-              <a:tabLst/>
-            </a:pPr>
-            <a:endParaRPr lang="en-US" altLang="en-US" sz="1800" dirty="0">
-              <a:solidFill>
-                <a:srgbClr val="000000"/>
-              </a:solidFill>
-            </a:endParaRPr>
-          </a:p>
-          <a:p>
-            <a:pPr marL="0" marR="0" lvl="0" indent="0" algn="l" defTabSz="914400" rtl="0" eaLnBrk="0" fontAlgn="base" latinLnBrk="0" hangingPunct="0">
-              <a:lnSpc>
-                <a:spcPct val="100000"/>
-              </a:lnSpc>
-              <a:spcBef>
-                <a:spcPct val="0"/>
-              </a:spcBef>
-              <a:spcAft>
-                <a:spcPct val="0"/>
-              </a:spcAft>
-              <a:buClrTx/>
-              <a:buSzTx/>
-              <a:buFontTx/>
-              <a:buNone/>
-              <a:tabLst/>
-            </a:pPr>
-            <a:endParaRPr lang="en-US" altLang="en-US" sz="1800" dirty="0">
-              <a:solidFill>
-                <a:srgbClr val="000000"/>
-              </a:solidFill>
-            </a:endParaRPr>
-          </a:p>
-          <a:p>
-            <a:pPr marL="0" marR="0" lvl="0" indent="0" algn="l" defTabSz="914400" rtl="0" eaLnBrk="0" fontAlgn="base" latinLnBrk="0" hangingPunct="0">
-              <a:lnSpc>
-                <a:spcPct val="100000"/>
-              </a:lnSpc>
-              <a:spcBef>
-                <a:spcPct val="0"/>
-              </a:spcBef>
-              <a:spcAft>
-                <a:spcPct val="0"/>
-              </a:spcAft>
-              <a:buClrTx/>
-              <a:buSzTx/>
-              <a:buFontTx/>
-              <a:buNone/>
-              <a:tabLst/>
-            </a:pPr>
-            <a:endParaRPr lang="en-US" altLang="en-US" sz="1800" dirty="0">
-              <a:solidFill>
-                <a:srgbClr val="000000"/>
-              </a:solidFill>
-            </a:endParaRPr>
-          </a:p>
-          <a:p>
-            <a:pPr marL="0" marR="0" lvl="0" indent="0" algn="l" defTabSz="914400" rtl="0" eaLnBrk="0" fontAlgn="base" latinLnBrk="0" hangingPunct="0">
-              <a:lnSpc>
-                <a:spcPct val="100000"/>
-              </a:lnSpc>
-              <a:spcBef>
-                <a:spcPct val="0"/>
-              </a:spcBef>
-              <a:spcAft>
-                <a:spcPct val="0"/>
-              </a:spcAft>
-              <a:buClrTx/>
-              <a:buSzTx/>
-              <a:buFontTx/>
-              <a:buNone/>
-              <a:tabLst/>
-            </a:pPr>
-            <a:endParaRPr lang="en-US" altLang="en-US" sz="1800" dirty="0">
-              <a:solidFill>
-                <a:srgbClr val="000000"/>
-              </a:solidFill>
-            </a:endParaRPr>
-          </a:p>
-          <a:p>
-            <a:pPr marL="0" marR="0" lvl="0" indent="0" algn="l" defTabSz="914400" rtl="0" eaLnBrk="0" fontAlgn="base" latinLnBrk="0" hangingPunct="0">
-              <a:lnSpc>
-                <a:spcPct val="100000"/>
-              </a:lnSpc>
-              <a:spcBef>
-                <a:spcPct val="0"/>
-              </a:spcBef>
-              <a:spcAft>
-                <a:spcPct val="0"/>
-              </a:spcAft>
-              <a:buClrTx/>
-              <a:buSzTx/>
-              <a:buFontTx/>
-              <a:buNone/>
-              <a:tabLst/>
-            </a:pPr>
-            <a:endParaRPr lang="en-US" altLang="en-US" sz="1800" dirty="0">
-              <a:solidFill>
-                <a:srgbClr val="000000"/>
-              </a:solidFill>
-            </a:endParaRPr>
-          </a:p>
-          <a:p>
-            <a:pPr marL="0" marR="0" lvl="0" indent="0" algn="l" defTabSz="914400" rtl="0" eaLnBrk="0" fontAlgn="base" latinLnBrk="0" hangingPunct="0">
-              <a:lnSpc>
-                <a:spcPct val="100000"/>
-              </a:lnSpc>
-              <a:spcBef>
-                <a:spcPct val="0"/>
-              </a:spcBef>
-              <a:spcAft>
-                <a:spcPct val="0"/>
-              </a:spcAft>
-              <a:buClrTx/>
-              <a:buSzTx/>
-              <a:buFontTx/>
-              <a:buNone/>
-              <a:tabLst/>
-            </a:pPr>
-            <a:r>
-              <a:rPr lang="en-US" altLang="en-US" sz="1800" dirty="0">
-                <a:solidFill>
-                  <a:srgbClr val="000000"/>
-                </a:solidFill>
-              </a:rPr>
-              <a:t>Binary classification problem — predicting if income is:</a:t>
-            </a:r>
           </a:p>
           <a:p>
             <a:pPr marL="0" marR="0" lvl="0" indent="0" algn="l" defTabSz="914400" rtl="0" eaLnBrk="0" fontAlgn="base" latinLnBrk="0" hangingPunct="0">
@@ -4185,7 +4147,7 @@
             <a:r>
               <a:rPr lang="en-US" altLang="en-US" sz="1800" dirty="0">
                 <a:solidFill>
-                  <a:srgbClr val="000000"/>
+                  <a:srgbClr val="7030A0"/>
                 </a:solidFill>
               </a:rPr>
               <a:t>&lt;= $50K (Binary classifier 0)</a:t>
@@ -4193,13 +4155,13 @@
             <a:br>
               <a:rPr lang="en-US" altLang="en-US" sz="1800" dirty="0">
                 <a:solidFill>
-                  <a:srgbClr val="000000"/>
+                  <a:srgbClr val="7030A0"/>
                 </a:solidFill>
               </a:rPr>
             </a:br>
             <a:endParaRPr lang="en-US" altLang="en-US" sz="1800" dirty="0">
               <a:solidFill>
-                <a:srgbClr val="000000"/>
+                <a:srgbClr val="7030A0"/>
               </a:solidFill>
             </a:endParaRPr>
           </a:p>
@@ -4222,7 +4184,7 @@
             <a:r>
               <a:rPr lang="en-US" altLang="en-US" sz="1800" dirty="0">
                 <a:solidFill>
-                  <a:srgbClr val="000000"/>
+                  <a:srgbClr val="7030A0"/>
                 </a:solidFill>
               </a:rPr>
               <a:t>or &gt; $50K (Binary classifier 1)</a:t>
@@ -4286,7 +4248,7 @@
         </p:blipFill>
         <p:spPr>
           <a:xfrm>
-            <a:off x="7961361" y="3800026"/>
+            <a:off x="11085897" y="6161485"/>
             <a:ext cx="408941" cy="408941"/>
           </a:xfrm>
           <a:prstGeom prst="rect">
@@ -4322,7 +4284,7 @@
         </p:blipFill>
         <p:spPr>
           <a:xfrm>
-            <a:off x="7326239" y="2837270"/>
+            <a:off x="10450775" y="5198729"/>
             <a:ext cx="635122" cy="635122"/>
           </a:xfrm>
           <a:prstGeom prst="rect">
@@ -4358,7 +4320,7 @@
         </p:blipFill>
         <p:spPr>
           <a:xfrm>
-            <a:off x="5173319" y="2837270"/>
+            <a:off x="8297855" y="5198729"/>
             <a:ext cx="914400" cy="914400"/>
           </a:xfrm>
           <a:prstGeom prst="rect">
@@ -4394,7 +4356,7 @@
         </p:blipFill>
         <p:spPr>
           <a:xfrm>
-            <a:off x="2888456" y="2841032"/>
+            <a:off x="6012992" y="5202491"/>
             <a:ext cx="914400" cy="914400"/>
           </a:xfrm>
           <a:prstGeom prst="rect">
@@ -4430,7 +4392,7 @@
         </p:blipFill>
         <p:spPr>
           <a:xfrm>
-            <a:off x="3973452" y="2837270"/>
+            <a:off x="7097988" y="5198729"/>
             <a:ext cx="914400" cy="914400"/>
           </a:xfrm>
           <a:prstGeom prst="rect">
@@ -4466,7 +4428,7 @@
         </p:blipFill>
         <p:spPr>
           <a:xfrm rot="20359957">
-            <a:off x="6373186" y="2837270"/>
+            <a:off x="9434665" y="5106644"/>
             <a:ext cx="914400" cy="914400"/>
           </a:xfrm>
           <a:prstGeom prst="rect">
@@ -4502,7 +4464,7 @@
         </p:blipFill>
         <p:spPr>
           <a:xfrm rot="1201933">
-            <a:off x="6382499" y="3208563"/>
+            <a:off x="9451077" y="5704285"/>
             <a:ext cx="914400" cy="914400"/>
           </a:xfrm>
           <a:prstGeom prst="rect">
@@ -4538,7 +4500,7 @@
         </p:blipFill>
         <p:spPr>
           <a:xfrm>
-            <a:off x="7326239" y="3529114"/>
+            <a:off x="10450775" y="5890573"/>
             <a:ext cx="635122" cy="635122"/>
           </a:xfrm>
           <a:prstGeom prst="rect">
@@ -4574,7 +4536,7 @@
         </p:blipFill>
         <p:spPr>
           <a:xfrm>
-            <a:off x="7961361" y="3032493"/>
+            <a:off x="11085897" y="5393952"/>
             <a:ext cx="408941" cy="408941"/>
           </a:xfrm>
           <a:prstGeom prst="rect">
@@ -4610,7 +4572,7 @@
         </p:blipFill>
         <p:spPr>
           <a:xfrm>
-            <a:off x="8287751" y="3051159"/>
+            <a:off x="11412287" y="5412618"/>
             <a:ext cx="408941" cy="408941"/>
           </a:xfrm>
           <a:prstGeom prst="rect">
@@ -4646,8 +4608,44 @@
         </p:blipFill>
         <p:spPr>
           <a:xfrm>
-            <a:off x="8176601" y="2932600"/>
+            <a:off x="11301137" y="5294059"/>
             <a:ext cx="408941" cy="408941"/>
+          </a:xfrm>
+          <a:prstGeom prst="rect">
+            <a:avLst/>
+          </a:prstGeom>
+        </p:spPr>
+      </p:pic>
+      <p:pic>
+        <p:nvPicPr>
+          <p:cNvPr id="5" name="Graphic 4" descr="Left Brain with solid fill">
+            <a:extLst>
+              <a:ext uri="{FF2B5EF4-FFF2-40B4-BE49-F238E27FC236}">
+                <a16:creationId xmlns:a16="http://schemas.microsoft.com/office/drawing/2014/main" id="{DF5EBBF4-1CCA-D66D-5E07-0E5E1CF7A056}"/>
+              </a:ext>
+            </a:extLst>
+          </p:cNvPr>
+          <p:cNvPicPr>
+            <a:picLocks noChangeAspect="1"/>
+          </p:cNvPicPr>
+          <p:nvPr/>
+        </p:nvPicPr>
+        <p:blipFill>
+          <a:blip r:embed="rId12">
+            <a:extLst>
+              <a:ext uri="{96DAC541-7B7A-43D3-8B79-37D633B846F1}">
+                <asvg:svgBlip xmlns:asvg="http://schemas.microsoft.com/office/drawing/2016/SVG/main" r:embed="rId13"/>
+              </a:ext>
+            </a:extLst>
+          </a:blip>
+          <a:stretch>
+            <a:fillRect/>
+          </a:stretch>
+        </p:blipFill>
+        <p:spPr>
+          <a:xfrm>
+            <a:off x="9895785" y="5605251"/>
+            <a:ext cx="457200" cy="457200"/>
           </a:xfrm>
           <a:prstGeom prst="rect">
             <a:avLst/>
@@ -4658,6 +4656,4343 @@
     <p:extLst>
       <p:ext uri="{BB962C8B-B14F-4D97-AF65-F5344CB8AC3E}">
         <p14:creationId xmlns:p14="http://schemas.microsoft.com/office/powerpoint/2010/main" val="985310678"/>
+      </p:ext>
+    </p:extLst>
+  </p:cSld>
+  <p:clrMapOvr>
+    <a:masterClrMapping/>
+  </p:clrMapOvr>
+</p:sld>
+</file>
+
+<file path=ppt/slides/slide3.xml><?xml version="1.0" encoding="utf-8"?>
+<p:sld xmlns:a="http://schemas.openxmlformats.org/drawingml/2006/main" xmlns:r="http://schemas.openxmlformats.org/officeDocument/2006/relationships" xmlns:p="http://schemas.openxmlformats.org/presentationml/2006/main">
+  <p:cSld>
+    <p:spTree>
+      <p:nvGrpSpPr>
+        <p:cNvPr id="1" name="">
+          <a:extLst>
+            <a:ext uri="{FF2B5EF4-FFF2-40B4-BE49-F238E27FC236}">
+              <a16:creationId xmlns:a16="http://schemas.microsoft.com/office/drawing/2014/main" id="{97BFE69B-82EB-A1CF-CAC5-97D3B641852D}"/>
+            </a:ext>
+          </a:extLst>
+        </p:cNvPr>
+        <p:cNvGrpSpPr/>
+        <p:nvPr/>
+      </p:nvGrpSpPr>
+      <p:grpSpPr>
+        <a:xfrm>
+          <a:off x="0" y="0"/>
+          <a:ext cx="0" cy="0"/>
+          <a:chOff x="0" y="0"/>
+          <a:chExt cx="0" cy="0"/>
+        </a:xfrm>
+      </p:grpSpPr>
+      <p:sp>
+        <p:nvSpPr>
+          <p:cNvPr id="2" name="Title 1">
+            <a:extLst>
+              <a:ext uri="{FF2B5EF4-FFF2-40B4-BE49-F238E27FC236}">
+                <a16:creationId xmlns:a16="http://schemas.microsoft.com/office/drawing/2014/main" id="{39A5A81C-6EB7-49A0-D6BA-282F9C224D0B}"/>
+              </a:ext>
+            </a:extLst>
+          </p:cNvPr>
+          <p:cNvSpPr>
+            <a:spLocks noGrp="1"/>
+          </p:cNvSpPr>
+          <p:nvPr>
+            <p:ph type="title"/>
+          </p:nvPr>
+        </p:nvSpPr>
+        <p:spPr/>
+        <p:txBody>
+          <a:bodyPr>
+            <a:normAutofit/>
+          </a:bodyPr>
+          <a:lstStyle/>
+          <a:p>
+            <a:r>
+              <a:rPr lang="en-GB" sz="2800" dirty="0"/>
+              <a:t>Data Cleaning and Preparation Pipeline</a:t>
+            </a:r>
+            <a:endParaRPr lang="en-US" sz="2800" dirty="0"/>
+          </a:p>
+        </p:txBody>
+      </p:sp>
+      <p:sp>
+        <p:nvSpPr>
+          <p:cNvPr id="4" name="Rectangle 1">
+            <a:extLst>
+              <a:ext uri="{FF2B5EF4-FFF2-40B4-BE49-F238E27FC236}">
+                <a16:creationId xmlns:a16="http://schemas.microsoft.com/office/drawing/2014/main" id="{073BE789-FB53-E4D6-F3FF-657AF4BAC85D}"/>
+              </a:ext>
+            </a:extLst>
+          </p:cNvPr>
+          <p:cNvSpPr>
+            <a:spLocks noGrp="1" noChangeArrowheads="1"/>
+          </p:cNvSpPr>
+          <p:nvPr>
+            <p:ph idx="1"/>
+          </p:nvPr>
+        </p:nvSpPr>
+        <p:spPr bwMode="auto">
+          <a:xfrm>
+            <a:off x="612648" y="1385579"/>
+            <a:ext cx="10653578" cy="2862322"/>
+          </a:xfrm>
+          <a:prstGeom prst="rect">
+            <a:avLst/>
+          </a:prstGeom>
+          <a:noFill/>
+          <a:ln>
+            <a:noFill/>
+          </a:ln>
+          <a:effectLst/>
+          <a:extLst>
+            <a:ext uri="{909E8E84-426E-40DD-AFC4-6F175D3DCCD1}">
+              <a14:hiddenFill xmlns:a14="http://schemas.microsoft.com/office/drawing/2010/main">
+                <a:solidFill>
+                  <a:schemeClr val="accent1"/>
+                </a:solidFill>
+              </a14:hiddenFill>
+            </a:ext>
+            <a:ext uri="{91240B29-F687-4F45-9708-019B960494DF}">
+              <a14:hiddenLine xmlns:a14="http://schemas.microsoft.com/office/drawing/2010/main" w="9525">
+                <a:solidFill>
+                  <a:schemeClr val="tx1"/>
+                </a:solidFill>
+                <a:miter lim="800000"/>
+                <a:headEnd/>
+                <a:tailEnd/>
+              </a14:hiddenLine>
+            </a:ext>
+            <a:ext uri="{AF507438-7753-43E0-B8FC-AC1667EBCBE1}">
+              <a14:hiddenEffects xmlns:a14="http://schemas.microsoft.com/office/drawing/2010/main">
+                <a:effectLst>
+                  <a:outerShdw dist="35921" dir="2700000" algn="ctr" rotWithShape="0">
+                    <a:schemeClr val="bg2"/>
+                  </a:outerShdw>
+                </a:effectLst>
+              </a14:hiddenEffects>
+            </a:ext>
+          </a:extLst>
+        </p:spPr>
+        <p:txBody>
+          <a:bodyPr vert="horz" wrap="square" lIns="91440" tIns="45720" rIns="91440" bIns="45720" numCol="1" anchor="ctr" anchorCtr="0" compatLnSpc="1">
+            <a:prstTxWarp prst="textNoShape">
+              <a:avLst/>
+            </a:prstTxWarp>
+            <a:spAutoFit/>
+          </a:bodyPr>
+          <a:lstStyle>
+            <a:lvl1pPr eaLnBrk="0" fontAlgn="base" hangingPunct="0">
+              <a:spcBef>
+                <a:spcPct val="0"/>
+              </a:spcBef>
+              <a:spcAft>
+                <a:spcPct val="0"/>
+              </a:spcAft>
+              <a:defRPr>
+                <a:solidFill>
+                  <a:schemeClr val="tx1"/>
+                </a:solidFill>
+                <a:latin typeface="Arial" panose="020B0604020202020204" pitchFamily="34" charset="0"/>
+              </a:defRPr>
+            </a:lvl1pPr>
+            <a:lvl2pPr eaLnBrk="0" fontAlgn="base" hangingPunct="0">
+              <a:spcBef>
+                <a:spcPct val="0"/>
+              </a:spcBef>
+              <a:spcAft>
+                <a:spcPct val="0"/>
+              </a:spcAft>
+              <a:defRPr>
+                <a:solidFill>
+                  <a:schemeClr val="tx1"/>
+                </a:solidFill>
+                <a:latin typeface="Arial" panose="020B0604020202020204" pitchFamily="34" charset="0"/>
+              </a:defRPr>
+            </a:lvl2pPr>
+            <a:lvl3pPr eaLnBrk="0" fontAlgn="base" hangingPunct="0">
+              <a:spcBef>
+                <a:spcPct val="0"/>
+              </a:spcBef>
+              <a:spcAft>
+                <a:spcPct val="0"/>
+              </a:spcAft>
+              <a:defRPr>
+                <a:solidFill>
+                  <a:schemeClr val="tx1"/>
+                </a:solidFill>
+                <a:latin typeface="Arial" panose="020B0604020202020204" pitchFamily="34" charset="0"/>
+              </a:defRPr>
+            </a:lvl3pPr>
+            <a:lvl4pPr eaLnBrk="0" fontAlgn="base" hangingPunct="0">
+              <a:spcBef>
+                <a:spcPct val="0"/>
+              </a:spcBef>
+              <a:spcAft>
+                <a:spcPct val="0"/>
+              </a:spcAft>
+              <a:defRPr>
+                <a:solidFill>
+                  <a:schemeClr val="tx1"/>
+                </a:solidFill>
+                <a:latin typeface="Arial" panose="020B0604020202020204" pitchFamily="34" charset="0"/>
+              </a:defRPr>
+            </a:lvl4pPr>
+            <a:lvl5pPr eaLnBrk="0" fontAlgn="base" hangingPunct="0">
+              <a:spcBef>
+                <a:spcPct val="0"/>
+              </a:spcBef>
+              <a:spcAft>
+                <a:spcPct val="0"/>
+              </a:spcAft>
+              <a:defRPr>
+                <a:solidFill>
+                  <a:schemeClr val="tx1"/>
+                </a:solidFill>
+                <a:latin typeface="Arial" panose="020B0604020202020204" pitchFamily="34" charset="0"/>
+              </a:defRPr>
+            </a:lvl5pPr>
+            <a:lvl6pPr eaLnBrk="0" fontAlgn="base" hangingPunct="0">
+              <a:spcBef>
+                <a:spcPct val="0"/>
+              </a:spcBef>
+              <a:spcAft>
+                <a:spcPct val="0"/>
+              </a:spcAft>
+              <a:defRPr>
+                <a:solidFill>
+                  <a:schemeClr val="tx1"/>
+                </a:solidFill>
+                <a:latin typeface="Arial" panose="020B0604020202020204" pitchFamily="34" charset="0"/>
+              </a:defRPr>
+            </a:lvl6pPr>
+            <a:lvl7pPr eaLnBrk="0" fontAlgn="base" hangingPunct="0">
+              <a:spcBef>
+                <a:spcPct val="0"/>
+              </a:spcBef>
+              <a:spcAft>
+                <a:spcPct val="0"/>
+              </a:spcAft>
+              <a:defRPr>
+                <a:solidFill>
+                  <a:schemeClr val="tx1"/>
+                </a:solidFill>
+                <a:latin typeface="Arial" panose="020B0604020202020204" pitchFamily="34" charset="0"/>
+              </a:defRPr>
+            </a:lvl7pPr>
+            <a:lvl8pPr eaLnBrk="0" fontAlgn="base" hangingPunct="0">
+              <a:spcBef>
+                <a:spcPct val="0"/>
+              </a:spcBef>
+              <a:spcAft>
+                <a:spcPct val="0"/>
+              </a:spcAft>
+              <a:defRPr>
+                <a:solidFill>
+                  <a:schemeClr val="tx1"/>
+                </a:solidFill>
+                <a:latin typeface="Arial" panose="020B0604020202020204" pitchFamily="34" charset="0"/>
+              </a:defRPr>
+            </a:lvl8pPr>
+            <a:lvl9pPr eaLnBrk="0" fontAlgn="base" hangingPunct="0">
+              <a:spcBef>
+                <a:spcPct val="0"/>
+              </a:spcBef>
+              <a:spcAft>
+                <a:spcPct val="0"/>
+              </a:spcAft>
+              <a:defRPr>
+                <a:solidFill>
+                  <a:schemeClr val="tx1"/>
+                </a:solidFill>
+                <a:latin typeface="Arial" panose="020B0604020202020204" pitchFamily="34" charset="0"/>
+              </a:defRPr>
+            </a:lvl9pPr>
+          </a:lstStyle>
+          <a:p>
+            <a:pPr marL="0" lvl="0" indent="0">
+              <a:lnSpc>
+                <a:spcPct val="100000"/>
+              </a:lnSpc>
+              <a:buFontTx/>
+              <a:buChar char="•"/>
+            </a:pPr>
+            <a:r>
+              <a:rPr lang="en-US" altLang="en-US" sz="1800" dirty="0">
+                <a:solidFill>
+                  <a:srgbClr val="000000"/>
+                </a:solidFill>
+              </a:rPr>
+              <a:t> Removed missing and inconsistent entries ("?" placeholders).</a:t>
+            </a:r>
+          </a:p>
+          <a:p>
+            <a:pPr marL="0" lvl="0" indent="0">
+              <a:lnSpc>
+                <a:spcPct val="100000"/>
+              </a:lnSpc>
+              <a:buFontTx/>
+              <a:buChar char="•"/>
+            </a:pPr>
+            <a:endParaRPr lang="en-US" altLang="en-US" sz="1800" dirty="0">
+              <a:solidFill>
+                <a:srgbClr val="000000"/>
+              </a:solidFill>
+            </a:endParaRPr>
+          </a:p>
+          <a:p>
+            <a:pPr marL="0" lvl="0" indent="0">
+              <a:lnSpc>
+                <a:spcPct val="100000"/>
+              </a:lnSpc>
+              <a:buFontTx/>
+              <a:buChar char="•"/>
+            </a:pPr>
+            <a:r>
+              <a:rPr lang="en-US" altLang="en-US" sz="1800" dirty="0">
+                <a:solidFill>
+                  <a:srgbClr val="000000"/>
+                </a:solidFill>
+              </a:rPr>
+              <a:t> Dropped:</a:t>
+            </a:r>
+          </a:p>
+          <a:p>
+            <a:pPr marL="0" lvl="0" indent="0">
+              <a:lnSpc>
+                <a:spcPct val="100000"/>
+              </a:lnSpc>
+              <a:buFontTx/>
+              <a:buChar char="•"/>
+            </a:pPr>
+            <a:endParaRPr lang="en-US" altLang="en-US" sz="1800" dirty="0">
+              <a:solidFill>
+                <a:srgbClr val="000000"/>
+              </a:solidFill>
+            </a:endParaRPr>
+          </a:p>
+          <a:p>
+            <a:pPr marL="571500" lvl="1" indent="-342900">
+              <a:lnSpc>
+                <a:spcPct val="100000"/>
+              </a:lnSpc>
+              <a:buFont typeface="+mj-lt"/>
+              <a:buAutoNum type="arabicPeriod"/>
+            </a:pPr>
+            <a:r>
+              <a:rPr lang="en-US" altLang="en-US" dirty="0">
+                <a:solidFill>
+                  <a:srgbClr val="000000"/>
+                </a:solidFill>
+              </a:rPr>
+              <a:t> Irrelevant columns (highly null variables)</a:t>
+            </a:r>
+          </a:p>
+          <a:p>
+            <a:pPr marL="571500" lvl="1" indent="-342900">
+              <a:lnSpc>
+                <a:spcPct val="100000"/>
+              </a:lnSpc>
+              <a:buFont typeface="+mj-lt"/>
+              <a:buAutoNum type="arabicPeriod"/>
+            </a:pPr>
+            <a:endParaRPr lang="en-US" altLang="en-US" dirty="0">
+              <a:solidFill>
+                <a:srgbClr val="000000"/>
+              </a:solidFill>
+            </a:endParaRPr>
+          </a:p>
+          <a:p>
+            <a:pPr marL="571500" lvl="1" indent="-342900">
+              <a:lnSpc>
+                <a:spcPct val="100000"/>
+              </a:lnSpc>
+              <a:buFont typeface="+mj-lt"/>
+              <a:buAutoNum type="arabicPeriod"/>
+            </a:pPr>
+            <a:r>
+              <a:rPr lang="en-US" altLang="en-US" dirty="0">
+                <a:solidFill>
+                  <a:srgbClr val="000000"/>
+                </a:solidFill>
+              </a:rPr>
+              <a:t> Duplicate rows (both target classes)</a:t>
+            </a:r>
+          </a:p>
+          <a:p>
+            <a:pPr marL="571500" lvl="1" indent="-342900">
+              <a:lnSpc>
+                <a:spcPct val="100000"/>
+              </a:lnSpc>
+              <a:buFont typeface="+mj-lt"/>
+              <a:buAutoNum type="arabicPeriod"/>
+            </a:pPr>
+            <a:endParaRPr lang="en-US" altLang="en-US" dirty="0">
+              <a:solidFill>
+                <a:srgbClr val="000000"/>
+              </a:solidFill>
+            </a:endParaRPr>
+          </a:p>
+          <a:p>
+            <a:pPr marL="571500" lvl="1" indent="-342900">
+              <a:lnSpc>
+                <a:spcPct val="100000"/>
+              </a:lnSpc>
+              <a:buFont typeface="+mj-lt"/>
+              <a:buAutoNum type="arabicPeriod"/>
+            </a:pPr>
+            <a:r>
+              <a:rPr lang="en-US" altLang="en-US" dirty="0">
+                <a:solidFill>
+                  <a:srgbClr val="000000"/>
+                </a:solidFill>
+              </a:rPr>
+              <a:t> Columns to ignore (</a:t>
+            </a:r>
+            <a:r>
+              <a:rPr lang="en-US" altLang="en-US" dirty="0" err="1">
+                <a:solidFill>
+                  <a:srgbClr val="000000"/>
+                </a:solidFill>
+              </a:rPr>
+              <a:t>instance_weight</a:t>
+            </a:r>
+            <a:r>
+              <a:rPr lang="en-US" altLang="en-US" dirty="0">
+                <a:solidFill>
+                  <a:srgbClr val="000000"/>
+                </a:solidFill>
+              </a:rPr>
+              <a:t>)</a:t>
+            </a:r>
+          </a:p>
+          <a:p>
+            <a:pPr marL="0" lvl="0" indent="0">
+              <a:lnSpc>
+                <a:spcPct val="100000"/>
+              </a:lnSpc>
+              <a:buFontTx/>
+              <a:buChar char="•"/>
+            </a:pPr>
+            <a:endParaRPr lang="en-US" altLang="en-US" sz="1800" dirty="0">
+              <a:solidFill>
+                <a:srgbClr val="000000"/>
+              </a:solidFill>
+            </a:endParaRPr>
+          </a:p>
+        </p:txBody>
+      </p:sp>
+      <p:pic>
+        <p:nvPicPr>
+          <p:cNvPr id="21" name="Graphic 20" descr="Soap with solid fill">
+            <a:extLst>
+              <a:ext uri="{FF2B5EF4-FFF2-40B4-BE49-F238E27FC236}">
+                <a16:creationId xmlns:a16="http://schemas.microsoft.com/office/drawing/2014/main" id="{1B04647F-B66E-C4D2-0B55-9496068E68B9}"/>
+              </a:ext>
+            </a:extLst>
+          </p:cNvPr>
+          <p:cNvPicPr>
+            <a:picLocks noChangeAspect="1"/>
+          </p:cNvPicPr>
+          <p:nvPr/>
+        </p:nvPicPr>
+        <p:blipFill>
+          <a:blip r:embed="rId2">
+            <a:extLst>
+              <a:ext uri="{96DAC541-7B7A-43D3-8B79-37D633B846F1}">
+                <asvg:svgBlip xmlns:asvg="http://schemas.microsoft.com/office/drawing/2016/SVG/main" r:embed="rId3"/>
+              </a:ext>
+            </a:extLst>
+          </a:blip>
+          <a:stretch>
+            <a:fillRect/>
+          </a:stretch>
+        </p:blipFill>
+        <p:spPr>
+          <a:xfrm rot="559625">
+            <a:off x="8147222" y="413951"/>
+            <a:ext cx="914400" cy="914400"/>
+          </a:xfrm>
+          <a:prstGeom prst="rect">
+            <a:avLst/>
+          </a:prstGeom>
+        </p:spPr>
+      </p:pic>
+      <p:pic>
+        <p:nvPicPr>
+          <p:cNvPr id="23" name="Graphic 22" descr="Abacus with solid fill">
+            <a:extLst>
+              <a:ext uri="{FF2B5EF4-FFF2-40B4-BE49-F238E27FC236}">
+                <a16:creationId xmlns:a16="http://schemas.microsoft.com/office/drawing/2014/main" id="{EBF4173F-055A-426D-47E8-1F7752387471}"/>
+              </a:ext>
+            </a:extLst>
+          </p:cNvPr>
+          <p:cNvPicPr>
+            <a:picLocks noChangeAspect="1"/>
+          </p:cNvPicPr>
+          <p:nvPr/>
+        </p:nvPicPr>
+        <p:blipFill>
+          <a:blip r:embed="rId4">
+            <a:extLst>
+              <a:ext uri="{96DAC541-7B7A-43D3-8B79-37D633B846F1}">
+                <asvg:svgBlip xmlns:asvg="http://schemas.microsoft.com/office/drawing/2016/SVG/main" r:embed="rId5"/>
+              </a:ext>
+            </a:extLst>
+          </a:blip>
+          <a:stretch>
+            <a:fillRect/>
+          </a:stretch>
+        </p:blipFill>
+        <p:spPr>
+          <a:xfrm>
+            <a:off x="10258301" y="894169"/>
+            <a:ext cx="914400" cy="914400"/>
+          </a:xfrm>
+          <a:prstGeom prst="rect">
+            <a:avLst/>
+          </a:prstGeom>
+        </p:spPr>
+      </p:pic>
+      <p:pic>
+        <p:nvPicPr>
+          <p:cNvPr id="25" name="Picture 24" descr="A black rectangular object with white text&#10;&#10;AI-generated content may be incorrect.">
+            <a:extLst>
+              <a:ext uri="{FF2B5EF4-FFF2-40B4-BE49-F238E27FC236}">
+                <a16:creationId xmlns:a16="http://schemas.microsoft.com/office/drawing/2014/main" id="{14E26F15-E28D-F8F4-CEB1-1BF90F7861F3}"/>
+              </a:ext>
+            </a:extLst>
+          </p:cNvPr>
+          <p:cNvPicPr>
+            <a:picLocks noChangeAspect="1"/>
+          </p:cNvPicPr>
+          <p:nvPr/>
+        </p:nvPicPr>
+        <p:blipFill>
+          <a:blip r:embed="rId6"/>
+          <a:stretch>
+            <a:fillRect/>
+          </a:stretch>
+        </p:blipFill>
+        <p:spPr>
+          <a:xfrm>
+            <a:off x="7145964" y="1993275"/>
+            <a:ext cx="4773851" cy="3056157"/>
+          </a:xfrm>
+          <a:prstGeom prst="rect">
+            <a:avLst/>
+          </a:prstGeom>
+        </p:spPr>
+      </p:pic>
+      <p:pic>
+        <p:nvPicPr>
+          <p:cNvPr id="29" name="Picture 28">
+            <a:extLst>
+              <a:ext uri="{FF2B5EF4-FFF2-40B4-BE49-F238E27FC236}">
+                <a16:creationId xmlns:a16="http://schemas.microsoft.com/office/drawing/2014/main" id="{6B81DFE9-120F-9397-D5E0-608A07F7C063}"/>
+              </a:ext>
+            </a:extLst>
+          </p:cNvPr>
+          <p:cNvPicPr>
+            <a:picLocks noChangeAspect="1"/>
+          </p:cNvPicPr>
+          <p:nvPr/>
+        </p:nvPicPr>
+        <p:blipFill>
+          <a:blip r:embed="rId7"/>
+          <a:stretch>
+            <a:fillRect/>
+          </a:stretch>
+        </p:blipFill>
+        <p:spPr>
+          <a:xfrm>
+            <a:off x="2011756" y="4285193"/>
+            <a:ext cx="3735100" cy="2374456"/>
+          </a:xfrm>
+          <a:prstGeom prst="rect">
+            <a:avLst/>
+          </a:prstGeom>
+        </p:spPr>
+      </p:pic>
+      <p:sp>
+        <p:nvSpPr>
+          <p:cNvPr id="28" name="Oval 27">
+            <a:extLst>
+              <a:ext uri="{FF2B5EF4-FFF2-40B4-BE49-F238E27FC236}">
+                <a16:creationId xmlns:a16="http://schemas.microsoft.com/office/drawing/2014/main" id="{5A97D2FB-CC7E-1D73-8433-B5211B45D625}"/>
+              </a:ext>
+            </a:extLst>
+          </p:cNvPr>
+          <p:cNvSpPr/>
+          <p:nvPr/>
+        </p:nvSpPr>
+        <p:spPr>
+          <a:xfrm>
+            <a:off x="4048509" y="4140969"/>
+            <a:ext cx="997528" cy="1816925"/>
+          </a:xfrm>
+          <a:prstGeom prst="ellipse">
+            <a:avLst/>
+          </a:prstGeom>
+          <a:noFill/>
+          <a:ln w="38100">
+            <a:solidFill>
+              <a:srgbClr val="FF0000"/>
+            </a:solidFill>
+          </a:ln>
+        </p:spPr>
+        <p:style>
+          <a:lnRef idx="2">
+            <a:schemeClr val="accent1">
+              <a:shade val="15000"/>
+            </a:schemeClr>
+          </a:lnRef>
+          <a:fillRef idx="1">
+            <a:schemeClr val="accent1"/>
+          </a:fillRef>
+          <a:effectRef idx="0">
+            <a:schemeClr val="accent1"/>
+          </a:effectRef>
+          <a:fontRef idx="minor">
+            <a:schemeClr val="lt1"/>
+          </a:fontRef>
+        </p:style>
+        <p:txBody>
+          <a:bodyPr rtlCol="0" anchor="ctr"/>
+          <a:lstStyle/>
+          <a:p>
+            <a:pPr algn="ctr"/>
+            <a:endParaRPr lang="en-US"/>
+          </a:p>
+        </p:txBody>
+      </p:sp>
+      <p:pic>
+        <p:nvPicPr>
+          <p:cNvPr id="30" name="Graphic 29" descr="Arrow Right with solid fill">
+            <a:extLst>
+              <a:ext uri="{FF2B5EF4-FFF2-40B4-BE49-F238E27FC236}">
+                <a16:creationId xmlns:a16="http://schemas.microsoft.com/office/drawing/2014/main" id="{FA8BC9D1-BE75-75B1-3708-BBEC40D2EA82}"/>
+              </a:ext>
+            </a:extLst>
+          </p:cNvPr>
+          <p:cNvPicPr>
+            <a:picLocks noChangeAspect="1"/>
+          </p:cNvPicPr>
+          <p:nvPr/>
+        </p:nvPicPr>
+        <p:blipFill>
+          <a:blip r:embed="rId8">
+            <a:extLst>
+              <a:ext uri="{96DAC541-7B7A-43D3-8B79-37D633B846F1}">
+                <asvg:svgBlip xmlns:asvg="http://schemas.microsoft.com/office/drawing/2016/SVG/main" r:embed="rId9"/>
+              </a:ext>
+            </a:extLst>
+          </a:blip>
+          <a:stretch>
+            <a:fillRect/>
+          </a:stretch>
+        </p:blipFill>
+        <p:spPr>
+          <a:xfrm rot="19626655">
+            <a:off x="6270988" y="3995452"/>
+            <a:ext cx="914400" cy="914400"/>
+          </a:xfrm>
+          <a:prstGeom prst="rect">
+            <a:avLst/>
+          </a:prstGeom>
+        </p:spPr>
+      </p:pic>
+    </p:spTree>
+    <p:extLst>
+      <p:ext uri="{BB962C8B-B14F-4D97-AF65-F5344CB8AC3E}">
+        <p14:creationId xmlns:p14="http://schemas.microsoft.com/office/powerpoint/2010/main" val="4255521697"/>
+      </p:ext>
+    </p:extLst>
+  </p:cSld>
+  <p:clrMapOvr>
+    <a:masterClrMapping/>
+  </p:clrMapOvr>
+</p:sld>
+</file>
+
+<file path=ppt/slides/slide4.xml><?xml version="1.0" encoding="utf-8"?>
+<p:sld xmlns:a="http://schemas.openxmlformats.org/drawingml/2006/main" xmlns:r="http://schemas.openxmlformats.org/officeDocument/2006/relationships" xmlns:p="http://schemas.openxmlformats.org/presentationml/2006/main">
+  <p:cSld>
+    <p:spTree>
+      <p:nvGrpSpPr>
+        <p:cNvPr id="1" name="">
+          <a:extLst>
+            <a:ext uri="{FF2B5EF4-FFF2-40B4-BE49-F238E27FC236}">
+              <a16:creationId xmlns:a16="http://schemas.microsoft.com/office/drawing/2014/main" id="{9530A630-4700-B0C0-E1D7-C8A8303FD914}"/>
+            </a:ext>
+          </a:extLst>
+        </p:cNvPr>
+        <p:cNvGrpSpPr/>
+        <p:nvPr/>
+      </p:nvGrpSpPr>
+      <p:grpSpPr>
+        <a:xfrm>
+          <a:off x="0" y="0"/>
+          <a:ext cx="0" cy="0"/>
+          <a:chOff x="0" y="0"/>
+          <a:chExt cx="0" cy="0"/>
+        </a:xfrm>
+      </p:grpSpPr>
+      <p:sp>
+        <p:nvSpPr>
+          <p:cNvPr id="2" name="Title 1">
+            <a:extLst>
+              <a:ext uri="{FF2B5EF4-FFF2-40B4-BE49-F238E27FC236}">
+                <a16:creationId xmlns:a16="http://schemas.microsoft.com/office/drawing/2014/main" id="{98C0940F-FD41-FDDE-1A8D-23296146F584}"/>
+              </a:ext>
+            </a:extLst>
+          </p:cNvPr>
+          <p:cNvSpPr>
+            <a:spLocks noGrp="1"/>
+          </p:cNvSpPr>
+          <p:nvPr>
+            <p:ph type="title"/>
+          </p:nvPr>
+        </p:nvSpPr>
+        <p:spPr/>
+        <p:txBody>
+          <a:bodyPr/>
+          <a:lstStyle/>
+          <a:p>
+            <a:r>
+              <a:rPr lang="en-US" dirty="0"/>
+              <a:t>Insights from Exploratory Data Analysis </a:t>
+            </a:r>
+          </a:p>
+        </p:txBody>
+      </p:sp>
+      <p:sp>
+        <p:nvSpPr>
+          <p:cNvPr id="4" name="Rectangle 1">
+            <a:extLst>
+              <a:ext uri="{FF2B5EF4-FFF2-40B4-BE49-F238E27FC236}">
+                <a16:creationId xmlns:a16="http://schemas.microsoft.com/office/drawing/2014/main" id="{8A6533AE-C9EC-4575-F6F4-D37465B51352}"/>
+              </a:ext>
+            </a:extLst>
+          </p:cNvPr>
+          <p:cNvSpPr>
+            <a:spLocks noGrp="1" noChangeArrowheads="1"/>
+          </p:cNvSpPr>
+          <p:nvPr>
+            <p:ph idx="1"/>
+          </p:nvPr>
+        </p:nvSpPr>
+        <p:spPr bwMode="auto">
+          <a:xfrm>
+            <a:off x="612648" y="1397675"/>
+            <a:ext cx="10653578" cy="2031325"/>
+          </a:xfrm>
+          <a:prstGeom prst="rect">
+            <a:avLst/>
+          </a:prstGeom>
+          <a:noFill/>
+          <a:ln>
+            <a:noFill/>
+          </a:ln>
+          <a:effectLst/>
+          <a:extLst>
+            <a:ext uri="{909E8E84-426E-40DD-AFC4-6F175D3DCCD1}">
+              <a14:hiddenFill xmlns:a14="http://schemas.microsoft.com/office/drawing/2010/main">
+                <a:solidFill>
+                  <a:schemeClr val="accent1"/>
+                </a:solidFill>
+              </a14:hiddenFill>
+            </a:ext>
+            <a:ext uri="{91240B29-F687-4F45-9708-019B960494DF}">
+              <a14:hiddenLine xmlns:a14="http://schemas.microsoft.com/office/drawing/2010/main" w="9525">
+                <a:solidFill>
+                  <a:schemeClr val="tx1"/>
+                </a:solidFill>
+                <a:miter lim="800000"/>
+                <a:headEnd/>
+                <a:tailEnd/>
+              </a14:hiddenLine>
+            </a:ext>
+            <a:ext uri="{AF507438-7753-43E0-B8FC-AC1667EBCBE1}">
+              <a14:hiddenEffects xmlns:a14="http://schemas.microsoft.com/office/drawing/2010/main">
+                <a:effectLst>
+                  <a:outerShdw dist="35921" dir="2700000" algn="ctr" rotWithShape="0">
+                    <a:schemeClr val="bg2"/>
+                  </a:outerShdw>
+                </a:effectLst>
+              </a14:hiddenEffects>
+            </a:ext>
+          </a:extLst>
+        </p:spPr>
+        <p:txBody>
+          <a:bodyPr vert="horz" wrap="square" lIns="91440" tIns="45720" rIns="91440" bIns="45720" numCol="1" anchor="ctr" anchorCtr="0" compatLnSpc="1">
+            <a:prstTxWarp prst="textNoShape">
+              <a:avLst/>
+            </a:prstTxWarp>
+            <a:spAutoFit/>
+          </a:bodyPr>
+          <a:lstStyle>
+            <a:lvl1pPr eaLnBrk="0" fontAlgn="base" hangingPunct="0">
+              <a:spcBef>
+                <a:spcPct val="0"/>
+              </a:spcBef>
+              <a:spcAft>
+                <a:spcPct val="0"/>
+              </a:spcAft>
+              <a:defRPr>
+                <a:solidFill>
+                  <a:schemeClr val="tx1"/>
+                </a:solidFill>
+                <a:latin typeface="Arial" panose="020B0604020202020204" pitchFamily="34" charset="0"/>
+              </a:defRPr>
+            </a:lvl1pPr>
+            <a:lvl2pPr eaLnBrk="0" fontAlgn="base" hangingPunct="0">
+              <a:spcBef>
+                <a:spcPct val="0"/>
+              </a:spcBef>
+              <a:spcAft>
+                <a:spcPct val="0"/>
+              </a:spcAft>
+              <a:defRPr>
+                <a:solidFill>
+                  <a:schemeClr val="tx1"/>
+                </a:solidFill>
+                <a:latin typeface="Arial" panose="020B0604020202020204" pitchFamily="34" charset="0"/>
+              </a:defRPr>
+            </a:lvl2pPr>
+            <a:lvl3pPr eaLnBrk="0" fontAlgn="base" hangingPunct="0">
+              <a:spcBef>
+                <a:spcPct val="0"/>
+              </a:spcBef>
+              <a:spcAft>
+                <a:spcPct val="0"/>
+              </a:spcAft>
+              <a:defRPr>
+                <a:solidFill>
+                  <a:schemeClr val="tx1"/>
+                </a:solidFill>
+                <a:latin typeface="Arial" panose="020B0604020202020204" pitchFamily="34" charset="0"/>
+              </a:defRPr>
+            </a:lvl3pPr>
+            <a:lvl4pPr eaLnBrk="0" fontAlgn="base" hangingPunct="0">
+              <a:spcBef>
+                <a:spcPct val="0"/>
+              </a:spcBef>
+              <a:spcAft>
+                <a:spcPct val="0"/>
+              </a:spcAft>
+              <a:defRPr>
+                <a:solidFill>
+                  <a:schemeClr val="tx1"/>
+                </a:solidFill>
+                <a:latin typeface="Arial" panose="020B0604020202020204" pitchFamily="34" charset="0"/>
+              </a:defRPr>
+            </a:lvl4pPr>
+            <a:lvl5pPr eaLnBrk="0" fontAlgn="base" hangingPunct="0">
+              <a:spcBef>
+                <a:spcPct val="0"/>
+              </a:spcBef>
+              <a:spcAft>
+                <a:spcPct val="0"/>
+              </a:spcAft>
+              <a:defRPr>
+                <a:solidFill>
+                  <a:schemeClr val="tx1"/>
+                </a:solidFill>
+                <a:latin typeface="Arial" panose="020B0604020202020204" pitchFamily="34" charset="0"/>
+              </a:defRPr>
+            </a:lvl5pPr>
+            <a:lvl6pPr eaLnBrk="0" fontAlgn="base" hangingPunct="0">
+              <a:spcBef>
+                <a:spcPct val="0"/>
+              </a:spcBef>
+              <a:spcAft>
+                <a:spcPct val="0"/>
+              </a:spcAft>
+              <a:defRPr>
+                <a:solidFill>
+                  <a:schemeClr val="tx1"/>
+                </a:solidFill>
+                <a:latin typeface="Arial" panose="020B0604020202020204" pitchFamily="34" charset="0"/>
+              </a:defRPr>
+            </a:lvl6pPr>
+            <a:lvl7pPr eaLnBrk="0" fontAlgn="base" hangingPunct="0">
+              <a:spcBef>
+                <a:spcPct val="0"/>
+              </a:spcBef>
+              <a:spcAft>
+                <a:spcPct val="0"/>
+              </a:spcAft>
+              <a:defRPr>
+                <a:solidFill>
+                  <a:schemeClr val="tx1"/>
+                </a:solidFill>
+                <a:latin typeface="Arial" panose="020B0604020202020204" pitchFamily="34" charset="0"/>
+              </a:defRPr>
+            </a:lvl7pPr>
+            <a:lvl8pPr eaLnBrk="0" fontAlgn="base" hangingPunct="0">
+              <a:spcBef>
+                <a:spcPct val="0"/>
+              </a:spcBef>
+              <a:spcAft>
+                <a:spcPct val="0"/>
+              </a:spcAft>
+              <a:defRPr>
+                <a:solidFill>
+                  <a:schemeClr val="tx1"/>
+                </a:solidFill>
+                <a:latin typeface="Arial" panose="020B0604020202020204" pitchFamily="34" charset="0"/>
+              </a:defRPr>
+            </a:lvl8pPr>
+            <a:lvl9pPr eaLnBrk="0" fontAlgn="base" hangingPunct="0">
+              <a:spcBef>
+                <a:spcPct val="0"/>
+              </a:spcBef>
+              <a:spcAft>
+                <a:spcPct val="0"/>
+              </a:spcAft>
+              <a:defRPr>
+                <a:solidFill>
+                  <a:schemeClr val="tx1"/>
+                </a:solidFill>
+                <a:latin typeface="Arial" panose="020B0604020202020204" pitchFamily="34" charset="0"/>
+              </a:defRPr>
+            </a:lvl9pPr>
+          </a:lstStyle>
+          <a:p>
+            <a:pPr marL="342900" lvl="0" indent="-342900">
+              <a:lnSpc>
+                <a:spcPct val="100000"/>
+              </a:lnSpc>
+              <a:buFont typeface="+mj-lt"/>
+              <a:buAutoNum type="arabicPeriod"/>
+            </a:pPr>
+            <a:r>
+              <a:rPr lang="en-US" altLang="en-US" sz="1800" dirty="0">
+                <a:solidFill>
+                  <a:srgbClr val="000000"/>
+                </a:solidFill>
+              </a:rPr>
+              <a:t>Age and weeks worked per year strongly correlate with income.</a:t>
+            </a:r>
+          </a:p>
+          <a:p>
+            <a:pPr marL="342900" lvl="0" indent="-342900">
+              <a:lnSpc>
+                <a:spcPct val="100000"/>
+              </a:lnSpc>
+              <a:buFont typeface="+mj-lt"/>
+              <a:buAutoNum type="arabicPeriod"/>
+            </a:pPr>
+            <a:endParaRPr lang="en-US" altLang="en-US" sz="1800" dirty="0">
+              <a:solidFill>
+                <a:srgbClr val="000000"/>
+              </a:solidFill>
+            </a:endParaRPr>
+          </a:p>
+          <a:p>
+            <a:pPr marL="342900" lvl="0" indent="-342900">
+              <a:lnSpc>
+                <a:spcPct val="100000"/>
+              </a:lnSpc>
+              <a:buFont typeface="+mj-lt"/>
+              <a:buAutoNum type="arabicPeriod"/>
+            </a:pPr>
+            <a:r>
+              <a:rPr lang="en-US" altLang="en-US" sz="1800" dirty="0">
+                <a:solidFill>
+                  <a:srgbClr val="000000"/>
+                </a:solidFill>
+              </a:rPr>
+              <a:t>Capital gains and dividends show heavy right-skew (most near 0).</a:t>
+            </a:r>
+          </a:p>
+          <a:p>
+            <a:pPr marL="342900" lvl="0" indent="-342900">
+              <a:lnSpc>
+                <a:spcPct val="100000"/>
+              </a:lnSpc>
+              <a:buFont typeface="+mj-lt"/>
+              <a:buAutoNum type="arabicPeriod"/>
+            </a:pPr>
+            <a:endParaRPr lang="en-US" altLang="en-US" sz="1800" dirty="0">
+              <a:solidFill>
+                <a:srgbClr val="000000"/>
+              </a:solidFill>
+            </a:endParaRPr>
+          </a:p>
+          <a:p>
+            <a:pPr marL="342900" lvl="0" indent="-342900">
+              <a:lnSpc>
+                <a:spcPct val="100000"/>
+              </a:lnSpc>
+              <a:buFont typeface="+mj-lt"/>
+              <a:buAutoNum type="arabicPeriod"/>
+            </a:pPr>
+            <a:r>
+              <a:rPr lang="en-US" altLang="en-US" sz="1800" dirty="0">
+                <a:solidFill>
+                  <a:srgbClr val="000000"/>
+                </a:solidFill>
+              </a:rPr>
+              <a:t>Gender and education level show distinct income distributions.</a:t>
+            </a:r>
+          </a:p>
+          <a:p>
+            <a:pPr marL="342900" lvl="0" indent="-342900">
+              <a:lnSpc>
+                <a:spcPct val="100000"/>
+              </a:lnSpc>
+              <a:buFont typeface="+mj-lt"/>
+              <a:buAutoNum type="arabicPeriod"/>
+            </a:pPr>
+            <a:endParaRPr lang="en-US" altLang="en-US" sz="1800" dirty="0">
+              <a:solidFill>
+                <a:srgbClr val="000000"/>
+              </a:solidFill>
+            </a:endParaRPr>
+          </a:p>
+          <a:p>
+            <a:pPr marL="342900" lvl="0" indent="-342900">
+              <a:lnSpc>
+                <a:spcPct val="100000"/>
+              </a:lnSpc>
+              <a:buFont typeface="+mj-lt"/>
+              <a:buAutoNum type="arabicPeriod"/>
+            </a:pPr>
+            <a:r>
+              <a:rPr lang="en-US" altLang="en-US" sz="1800" dirty="0">
+                <a:solidFill>
+                  <a:srgbClr val="000000"/>
+                </a:solidFill>
+              </a:rPr>
+              <a:t>Majority of individuals fall under ≤50K income bracket.</a:t>
+            </a:r>
+            <a:endParaRPr lang="en-US" altLang="en-US" sz="1800" dirty="0"/>
+          </a:p>
+        </p:txBody>
+      </p:sp>
+      <p:pic>
+        <p:nvPicPr>
+          <p:cNvPr id="11" name="Picture 10" descr="A graph of age distribution&#10;&#10;AI-generated content may be incorrect.">
+            <a:extLst>
+              <a:ext uri="{FF2B5EF4-FFF2-40B4-BE49-F238E27FC236}">
+                <a16:creationId xmlns:a16="http://schemas.microsoft.com/office/drawing/2014/main" id="{9747BA1C-1656-3F82-8D66-20DA1879EB48}"/>
+              </a:ext>
+            </a:extLst>
+          </p:cNvPr>
+          <p:cNvPicPr>
+            <a:picLocks noChangeAspect="1"/>
+          </p:cNvPicPr>
+          <p:nvPr/>
+        </p:nvPicPr>
+        <p:blipFill>
+          <a:blip r:embed="rId2"/>
+          <a:stretch>
+            <a:fillRect/>
+          </a:stretch>
+        </p:blipFill>
+        <p:spPr>
+          <a:xfrm>
+            <a:off x="8676165" y="1021277"/>
+            <a:ext cx="3076812" cy="1862281"/>
+          </a:xfrm>
+          <a:prstGeom prst="rect">
+            <a:avLst/>
+          </a:prstGeom>
+        </p:spPr>
+      </p:pic>
+      <p:pic>
+        <p:nvPicPr>
+          <p:cNvPr id="21" name="Picture 20" descr="A graph of a number of students&#10;&#10;AI-generated content may be incorrect.">
+            <a:extLst>
+              <a:ext uri="{FF2B5EF4-FFF2-40B4-BE49-F238E27FC236}">
+                <a16:creationId xmlns:a16="http://schemas.microsoft.com/office/drawing/2014/main" id="{05AD92B2-E9FC-25E0-7692-AC2B0261B655}"/>
+              </a:ext>
+            </a:extLst>
+          </p:cNvPr>
+          <p:cNvPicPr>
+            <a:picLocks noChangeAspect="1"/>
+          </p:cNvPicPr>
+          <p:nvPr/>
+        </p:nvPicPr>
+        <p:blipFill>
+          <a:blip r:embed="rId3"/>
+          <a:stretch>
+            <a:fillRect/>
+          </a:stretch>
+        </p:blipFill>
+        <p:spPr>
+          <a:xfrm>
+            <a:off x="7381338" y="3061689"/>
+            <a:ext cx="3657600" cy="3632200"/>
+          </a:xfrm>
+          <a:prstGeom prst="rect">
+            <a:avLst/>
+          </a:prstGeom>
+        </p:spPr>
+      </p:pic>
+      <p:pic>
+        <p:nvPicPr>
+          <p:cNvPr id="23" name="Picture 22" descr="A blue and orange pie chart&#10;&#10;AI-generated content may be incorrect.">
+            <a:extLst>
+              <a:ext uri="{FF2B5EF4-FFF2-40B4-BE49-F238E27FC236}">
+                <a16:creationId xmlns:a16="http://schemas.microsoft.com/office/drawing/2014/main" id="{08855C25-FD11-DB5A-94DD-9ECD48B23A30}"/>
+              </a:ext>
+            </a:extLst>
+          </p:cNvPr>
+          <p:cNvPicPr>
+            <a:picLocks noChangeAspect="1"/>
+          </p:cNvPicPr>
+          <p:nvPr/>
+        </p:nvPicPr>
+        <p:blipFill>
+          <a:blip r:embed="rId4"/>
+          <a:stretch>
+            <a:fillRect/>
+          </a:stretch>
+        </p:blipFill>
+        <p:spPr>
+          <a:xfrm>
+            <a:off x="503837" y="3805398"/>
+            <a:ext cx="5435600" cy="2552700"/>
+          </a:xfrm>
+          <a:prstGeom prst="rect">
+            <a:avLst/>
+          </a:prstGeom>
+        </p:spPr>
+      </p:pic>
+    </p:spTree>
+    <p:extLst>
+      <p:ext uri="{BB962C8B-B14F-4D97-AF65-F5344CB8AC3E}">
+        <p14:creationId xmlns:p14="http://schemas.microsoft.com/office/powerpoint/2010/main" val="2677152880"/>
+      </p:ext>
+    </p:extLst>
+  </p:cSld>
+  <p:clrMapOvr>
+    <a:masterClrMapping/>
+  </p:clrMapOvr>
+</p:sld>
+</file>
+
+<file path=ppt/slides/slide5.xml><?xml version="1.0" encoding="utf-8"?>
+<p:sld xmlns:a="http://schemas.openxmlformats.org/drawingml/2006/main" xmlns:r="http://schemas.openxmlformats.org/officeDocument/2006/relationships" xmlns:p="http://schemas.openxmlformats.org/presentationml/2006/main">
+  <p:cSld>
+    <p:spTree>
+      <p:nvGrpSpPr>
+        <p:cNvPr id="1" name="">
+          <a:extLst>
+            <a:ext uri="{FF2B5EF4-FFF2-40B4-BE49-F238E27FC236}">
+              <a16:creationId xmlns:a16="http://schemas.microsoft.com/office/drawing/2014/main" id="{88A1793E-DDAB-8F22-5A23-0EAD9D61B1F8}"/>
+            </a:ext>
+          </a:extLst>
+        </p:cNvPr>
+        <p:cNvGrpSpPr/>
+        <p:nvPr/>
+      </p:nvGrpSpPr>
+      <p:grpSpPr>
+        <a:xfrm>
+          <a:off x="0" y="0"/>
+          <a:ext cx="0" cy="0"/>
+          <a:chOff x="0" y="0"/>
+          <a:chExt cx="0" cy="0"/>
+        </a:xfrm>
+      </p:grpSpPr>
+      <p:sp>
+        <p:nvSpPr>
+          <p:cNvPr id="2" name="Title 1">
+            <a:extLst>
+              <a:ext uri="{FF2B5EF4-FFF2-40B4-BE49-F238E27FC236}">
+                <a16:creationId xmlns:a16="http://schemas.microsoft.com/office/drawing/2014/main" id="{7DFDA881-4BDC-BD94-FE96-4631720B29EB}"/>
+              </a:ext>
+            </a:extLst>
+          </p:cNvPr>
+          <p:cNvSpPr>
+            <a:spLocks noGrp="1"/>
+          </p:cNvSpPr>
+          <p:nvPr>
+            <p:ph type="title"/>
+          </p:nvPr>
+        </p:nvSpPr>
+        <p:spPr/>
+        <p:txBody>
+          <a:bodyPr/>
+          <a:lstStyle/>
+          <a:p>
+            <a:r>
+              <a:rPr lang="en-US" dirty="0"/>
+              <a:t>Model Training &amp; Hyperparameter tuning</a:t>
+            </a:r>
+          </a:p>
+        </p:txBody>
+      </p:sp>
+      <p:sp>
+        <p:nvSpPr>
+          <p:cNvPr id="3" name="Rectangle 1">
+            <a:extLst>
+              <a:ext uri="{FF2B5EF4-FFF2-40B4-BE49-F238E27FC236}">
+                <a16:creationId xmlns:a16="http://schemas.microsoft.com/office/drawing/2014/main" id="{EBF6AE4A-50F3-9CA4-E483-FC28F44944A3}"/>
+              </a:ext>
+            </a:extLst>
+          </p:cNvPr>
+          <p:cNvSpPr>
+            <a:spLocks noGrp="1" noChangeArrowheads="1"/>
+          </p:cNvSpPr>
+          <p:nvPr>
+            <p:ph idx="1"/>
+          </p:nvPr>
+        </p:nvSpPr>
+        <p:spPr bwMode="auto">
+          <a:xfrm>
+            <a:off x="612648" y="1401506"/>
+            <a:ext cx="8424474" cy="3754874"/>
+          </a:xfrm>
+          <a:prstGeom prst="rect">
+            <a:avLst/>
+          </a:prstGeom>
+          <a:noFill/>
+          <a:ln>
+            <a:noFill/>
+          </a:ln>
+          <a:effectLst/>
+          <a:extLst>
+            <a:ext uri="{909E8E84-426E-40DD-AFC4-6F175D3DCCD1}">
+              <a14:hiddenFill xmlns:a14="http://schemas.microsoft.com/office/drawing/2010/main">
+                <a:solidFill>
+                  <a:schemeClr val="accent1"/>
+                </a:solidFill>
+              </a14:hiddenFill>
+            </a:ext>
+            <a:ext uri="{91240B29-F687-4F45-9708-019B960494DF}">
+              <a14:hiddenLine xmlns:a14="http://schemas.microsoft.com/office/drawing/2010/main" w="9525">
+                <a:solidFill>
+                  <a:schemeClr val="tx1"/>
+                </a:solidFill>
+                <a:miter lim="800000"/>
+                <a:headEnd/>
+                <a:tailEnd/>
+              </a14:hiddenLine>
+            </a:ext>
+            <a:ext uri="{AF507438-7753-43E0-B8FC-AC1667EBCBE1}">
+              <a14:hiddenEffects xmlns:a14="http://schemas.microsoft.com/office/drawing/2010/main">
+                <a:effectLst>
+                  <a:outerShdw dist="35921" dir="2700000" algn="ctr" rotWithShape="0">
+                    <a:schemeClr val="bg2"/>
+                  </a:outerShdw>
+                </a:effectLst>
+              </a14:hiddenEffects>
+            </a:ext>
+          </a:extLst>
+        </p:spPr>
+        <p:txBody>
+          <a:bodyPr vert="horz" wrap="square" lIns="91440" tIns="45720" rIns="91440" bIns="45720" numCol="1" anchor="ctr" anchorCtr="0" compatLnSpc="1">
+            <a:prstTxWarp prst="textNoShape">
+              <a:avLst/>
+            </a:prstTxWarp>
+            <a:spAutoFit/>
+          </a:bodyPr>
+          <a:lstStyle/>
+          <a:p>
+            <a:pPr marL="0" indent="0" eaLnBrk="0" fontAlgn="base" hangingPunct="0">
+              <a:lnSpc>
+                <a:spcPct val="100000"/>
+              </a:lnSpc>
+              <a:spcBef>
+                <a:spcPct val="0"/>
+              </a:spcBef>
+              <a:spcAft>
+                <a:spcPct val="0"/>
+              </a:spcAft>
+              <a:buFontTx/>
+              <a:buChar char="•"/>
+            </a:pPr>
+            <a:r>
+              <a:rPr lang="en-US" altLang="en-US" sz="1800" dirty="0">
+                <a:solidFill>
+                  <a:srgbClr val="000000"/>
+                </a:solidFill>
+                <a:latin typeface="Arial" panose="020B0604020202020204" pitchFamily="34" charset="0"/>
+              </a:rPr>
+              <a:t> Quick scan of 5 algorithms for training and comparison:</a:t>
+            </a:r>
+          </a:p>
+          <a:p>
+            <a:pPr marL="571500" lvl="1" indent="-342900" eaLnBrk="0" fontAlgn="base" hangingPunct="0">
+              <a:lnSpc>
+                <a:spcPct val="100000"/>
+              </a:lnSpc>
+              <a:spcBef>
+                <a:spcPct val="0"/>
+              </a:spcBef>
+              <a:spcAft>
+                <a:spcPct val="0"/>
+              </a:spcAft>
+              <a:buFont typeface="+mj-lt"/>
+              <a:buAutoNum type="arabicPeriod"/>
+            </a:pPr>
+            <a:r>
+              <a:rPr lang="en-US" altLang="en-US" sz="1600" dirty="0">
+                <a:solidFill>
+                  <a:srgbClr val="000000"/>
+                </a:solidFill>
+                <a:latin typeface="Arial" panose="020B0604020202020204" pitchFamily="34" charset="0"/>
+              </a:rPr>
+              <a:t>Logistic Regression</a:t>
+            </a:r>
+          </a:p>
+          <a:p>
+            <a:pPr marL="571500" lvl="1" indent="-342900" eaLnBrk="0" fontAlgn="base" hangingPunct="0">
+              <a:lnSpc>
+                <a:spcPct val="100000"/>
+              </a:lnSpc>
+              <a:spcBef>
+                <a:spcPct val="0"/>
+              </a:spcBef>
+              <a:spcAft>
+                <a:spcPct val="0"/>
+              </a:spcAft>
+              <a:buFont typeface="+mj-lt"/>
+              <a:buAutoNum type="arabicPeriod"/>
+            </a:pPr>
+            <a:r>
+              <a:rPr lang="en-US" altLang="en-US" sz="1600" dirty="0">
+                <a:solidFill>
+                  <a:srgbClr val="000000"/>
+                </a:solidFill>
+                <a:latin typeface="Arial" panose="020B0604020202020204" pitchFamily="34" charset="0"/>
+              </a:rPr>
+              <a:t>Decision Tree</a:t>
+            </a:r>
+          </a:p>
+          <a:p>
+            <a:pPr marL="571500" lvl="1" indent="-342900" eaLnBrk="0" fontAlgn="base" hangingPunct="0">
+              <a:lnSpc>
+                <a:spcPct val="100000"/>
+              </a:lnSpc>
+              <a:spcBef>
+                <a:spcPct val="0"/>
+              </a:spcBef>
+              <a:spcAft>
+                <a:spcPct val="0"/>
+              </a:spcAft>
+              <a:buFont typeface="+mj-lt"/>
+              <a:buAutoNum type="arabicPeriod"/>
+            </a:pPr>
+            <a:r>
+              <a:rPr lang="en-US" altLang="en-US" sz="1600" dirty="0">
+                <a:solidFill>
+                  <a:srgbClr val="000000"/>
+                </a:solidFill>
+                <a:latin typeface="Arial" panose="020B0604020202020204" pitchFamily="34" charset="0"/>
+              </a:rPr>
+              <a:t>Random Forest</a:t>
+            </a:r>
+          </a:p>
+          <a:p>
+            <a:pPr marL="571500" lvl="1" indent="-342900" eaLnBrk="0" fontAlgn="base" hangingPunct="0">
+              <a:lnSpc>
+                <a:spcPct val="100000"/>
+              </a:lnSpc>
+              <a:spcBef>
+                <a:spcPct val="0"/>
+              </a:spcBef>
+              <a:spcAft>
+                <a:spcPct val="0"/>
+              </a:spcAft>
+              <a:buFont typeface="+mj-lt"/>
+              <a:buAutoNum type="arabicPeriod"/>
+            </a:pPr>
+            <a:r>
+              <a:rPr lang="en-US" altLang="en-US" sz="1600" dirty="0">
+                <a:solidFill>
+                  <a:srgbClr val="000000"/>
+                </a:solidFill>
+                <a:latin typeface="Arial" panose="020B0604020202020204" pitchFamily="34" charset="0"/>
+              </a:rPr>
+              <a:t>Gradient Boosting</a:t>
+            </a:r>
+          </a:p>
+          <a:p>
+            <a:pPr marL="571500" lvl="1" indent="-342900" eaLnBrk="0" fontAlgn="base" hangingPunct="0">
+              <a:lnSpc>
+                <a:spcPct val="100000"/>
+              </a:lnSpc>
+              <a:spcBef>
+                <a:spcPct val="0"/>
+              </a:spcBef>
+              <a:spcAft>
+                <a:spcPct val="0"/>
+              </a:spcAft>
+              <a:buFont typeface="+mj-lt"/>
+              <a:buAutoNum type="arabicPeriod"/>
+            </a:pPr>
+            <a:r>
+              <a:rPr lang="en-US" altLang="en-US" sz="1600" dirty="0" err="1">
+                <a:solidFill>
+                  <a:srgbClr val="000000"/>
+                </a:solidFill>
+                <a:latin typeface="Arial" panose="020B0604020202020204" pitchFamily="34" charset="0"/>
+              </a:rPr>
+              <a:t>XGBoost</a:t>
+            </a:r>
+            <a:endParaRPr lang="en-US" altLang="en-US" sz="1600" dirty="0">
+              <a:solidFill>
+                <a:srgbClr val="000000"/>
+              </a:solidFill>
+              <a:latin typeface="Arial" panose="020B0604020202020204" pitchFamily="34" charset="0"/>
+            </a:endParaRPr>
+          </a:p>
+          <a:p>
+            <a:pPr marL="0" indent="0" eaLnBrk="0" fontAlgn="base" hangingPunct="0">
+              <a:lnSpc>
+                <a:spcPct val="100000"/>
+              </a:lnSpc>
+              <a:spcBef>
+                <a:spcPct val="0"/>
+              </a:spcBef>
+              <a:spcAft>
+                <a:spcPct val="0"/>
+              </a:spcAft>
+              <a:buFontTx/>
+              <a:buChar char="•"/>
+            </a:pPr>
+            <a:endParaRPr lang="en-US" altLang="en-US" sz="1800" dirty="0">
+              <a:solidFill>
+                <a:srgbClr val="000000"/>
+              </a:solidFill>
+              <a:latin typeface="Arial" panose="020B0604020202020204" pitchFamily="34" charset="0"/>
+            </a:endParaRPr>
+          </a:p>
+          <a:p>
+            <a:pPr marL="0" indent="0" eaLnBrk="0" fontAlgn="base" hangingPunct="0">
+              <a:lnSpc>
+                <a:spcPct val="100000"/>
+              </a:lnSpc>
+              <a:spcBef>
+                <a:spcPct val="0"/>
+              </a:spcBef>
+              <a:spcAft>
+                <a:spcPct val="0"/>
+              </a:spcAft>
+              <a:buFontTx/>
+              <a:buChar char="•"/>
+            </a:pPr>
+            <a:endParaRPr lang="en-US" altLang="en-US" sz="1800" dirty="0">
+              <a:solidFill>
+                <a:srgbClr val="000000"/>
+              </a:solidFill>
+              <a:latin typeface="Arial" panose="020B0604020202020204" pitchFamily="34" charset="0"/>
+            </a:endParaRPr>
+          </a:p>
+          <a:p>
+            <a:pPr marL="0" indent="0" eaLnBrk="0" fontAlgn="base" hangingPunct="0">
+              <a:lnSpc>
+                <a:spcPct val="100000"/>
+              </a:lnSpc>
+              <a:spcBef>
+                <a:spcPct val="0"/>
+              </a:spcBef>
+              <a:spcAft>
+                <a:spcPct val="0"/>
+              </a:spcAft>
+              <a:buFontTx/>
+              <a:buChar char="•"/>
+            </a:pPr>
+            <a:r>
+              <a:rPr lang="en-US" altLang="en-US" sz="1800" dirty="0">
+                <a:solidFill>
+                  <a:srgbClr val="000000"/>
+                </a:solidFill>
+                <a:latin typeface="Arial" panose="020B0604020202020204" pitchFamily="34" charset="0"/>
+              </a:rPr>
+              <a:t> Used </a:t>
+            </a:r>
+            <a:r>
+              <a:rPr lang="en-US" altLang="en-US" sz="1800" dirty="0" err="1">
+                <a:solidFill>
+                  <a:srgbClr val="000000"/>
+                </a:solidFill>
+                <a:latin typeface="Arial" panose="020B0604020202020204" pitchFamily="34" charset="0"/>
+              </a:rPr>
+              <a:t>GridSearchCV</a:t>
+            </a:r>
+            <a:r>
+              <a:rPr lang="en-US" altLang="en-US" sz="1800" dirty="0">
+                <a:solidFill>
+                  <a:srgbClr val="000000"/>
+                </a:solidFill>
+                <a:latin typeface="Arial" panose="020B0604020202020204" pitchFamily="34" charset="0"/>
+              </a:rPr>
+              <a:t> (5-fold CV) with ROC AUC and F1 Macro metrics.</a:t>
+            </a:r>
+          </a:p>
+          <a:p>
+            <a:pPr marL="228600" lvl="1" indent="0" eaLnBrk="0" fontAlgn="base" hangingPunct="0">
+              <a:lnSpc>
+                <a:spcPct val="100000"/>
+              </a:lnSpc>
+              <a:spcBef>
+                <a:spcPct val="0"/>
+              </a:spcBef>
+              <a:spcAft>
+                <a:spcPct val="0"/>
+              </a:spcAft>
+              <a:buFontTx/>
+              <a:buChar char="•"/>
+            </a:pPr>
+            <a:r>
+              <a:rPr lang="en-US" altLang="en-US" sz="1600" dirty="0">
+                <a:solidFill>
+                  <a:srgbClr val="000000"/>
+                </a:solidFill>
+                <a:latin typeface="Arial" panose="020B0604020202020204" pitchFamily="34" charset="0"/>
+              </a:rPr>
+              <a:t> Instructions via YAML file </a:t>
+            </a:r>
+          </a:p>
+          <a:p>
+            <a:pPr marL="228600" lvl="1" indent="0" eaLnBrk="0" fontAlgn="base" hangingPunct="0">
+              <a:lnSpc>
+                <a:spcPct val="100000"/>
+              </a:lnSpc>
+              <a:spcBef>
+                <a:spcPct val="0"/>
+              </a:spcBef>
+              <a:spcAft>
+                <a:spcPct val="0"/>
+              </a:spcAft>
+              <a:buFontTx/>
+              <a:buChar char="•"/>
+            </a:pPr>
+            <a:r>
+              <a:rPr lang="en-US" altLang="en-US" sz="1600" dirty="0">
+                <a:solidFill>
+                  <a:srgbClr val="000000"/>
+                </a:solidFill>
+                <a:latin typeface="Arial" panose="020B0604020202020204" pitchFamily="34" charset="0"/>
+              </a:rPr>
+              <a:t> F1 helpful as data is very skewed</a:t>
+            </a:r>
+          </a:p>
+          <a:p>
+            <a:pPr marL="0" indent="0" eaLnBrk="0" fontAlgn="base" hangingPunct="0">
+              <a:lnSpc>
+                <a:spcPct val="100000"/>
+              </a:lnSpc>
+              <a:spcBef>
+                <a:spcPct val="0"/>
+              </a:spcBef>
+              <a:spcAft>
+                <a:spcPct val="0"/>
+              </a:spcAft>
+              <a:buFontTx/>
+              <a:buChar char="•"/>
+            </a:pPr>
+            <a:endParaRPr lang="en-US" altLang="en-US" sz="1800" dirty="0">
+              <a:solidFill>
+                <a:srgbClr val="000000"/>
+              </a:solidFill>
+              <a:latin typeface="Arial" panose="020B0604020202020204" pitchFamily="34" charset="0"/>
+            </a:endParaRPr>
+          </a:p>
+          <a:p>
+            <a:pPr marL="0" indent="0" eaLnBrk="0" fontAlgn="base" hangingPunct="0">
+              <a:lnSpc>
+                <a:spcPct val="100000"/>
+              </a:lnSpc>
+              <a:spcBef>
+                <a:spcPct val="0"/>
+              </a:spcBef>
+              <a:spcAft>
+                <a:spcPct val="0"/>
+              </a:spcAft>
+              <a:buFontTx/>
+              <a:buChar char="•"/>
+            </a:pPr>
+            <a:endParaRPr lang="en-US" altLang="en-US" sz="1800" dirty="0">
+              <a:solidFill>
+                <a:srgbClr val="000000"/>
+              </a:solidFill>
+              <a:latin typeface="Arial" panose="020B0604020202020204" pitchFamily="34" charset="0"/>
+            </a:endParaRPr>
+          </a:p>
+          <a:p>
+            <a:pPr marL="0" indent="0" eaLnBrk="0" fontAlgn="base" hangingPunct="0">
+              <a:lnSpc>
+                <a:spcPct val="100000"/>
+              </a:lnSpc>
+              <a:spcBef>
+                <a:spcPct val="0"/>
+              </a:spcBef>
+              <a:spcAft>
+                <a:spcPct val="0"/>
+              </a:spcAft>
+              <a:buFontTx/>
+              <a:buChar char="•"/>
+            </a:pPr>
+            <a:r>
+              <a:rPr lang="en-US" altLang="en-US" sz="1800" dirty="0">
+                <a:solidFill>
+                  <a:srgbClr val="000000"/>
+                </a:solidFill>
+                <a:latin typeface="Arial" panose="020B0604020202020204" pitchFamily="34" charset="0"/>
+              </a:rPr>
+              <a:t> Automated pipeline with preprocessing + model in a single Pipeline (</a:t>
+            </a:r>
+            <a:r>
+              <a:rPr lang="en-US" altLang="en-US" sz="1800" dirty="0" err="1">
+                <a:solidFill>
+                  <a:srgbClr val="000000"/>
+                </a:solidFill>
+                <a:latin typeface="Arial" panose="020B0604020202020204" pitchFamily="34" charset="0"/>
+              </a:rPr>
+              <a:t>run.py</a:t>
+            </a:r>
+            <a:r>
+              <a:rPr lang="en-US" altLang="en-US" sz="1800" dirty="0">
+                <a:solidFill>
+                  <a:srgbClr val="000000"/>
+                </a:solidFill>
+                <a:latin typeface="Arial" panose="020B0604020202020204" pitchFamily="34" charset="0"/>
+              </a:rPr>
+              <a:t>).</a:t>
+            </a:r>
+          </a:p>
+        </p:txBody>
+      </p:sp>
+      <p:pic>
+        <p:nvPicPr>
+          <p:cNvPr id="7" name="Picture 6">
+            <a:extLst>
+              <a:ext uri="{FF2B5EF4-FFF2-40B4-BE49-F238E27FC236}">
+                <a16:creationId xmlns:a16="http://schemas.microsoft.com/office/drawing/2014/main" id="{09972C9C-BD4E-1443-7701-020758012DB4}"/>
+              </a:ext>
+            </a:extLst>
+          </p:cNvPr>
+          <p:cNvPicPr>
+            <a:picLocks noChangeAspect="1"/>
+          </p:cNvPicPr>
+          <p:nvPr/>
+        </p:nvPicPr>
+        <p:blipFill>
+          <a:blip r:embed="rId2"/>
+          <a:stretch>
+            <a:fillRect/>
+          </a:stretch>
+        </p:blipFill>
+        <p:spPr>
+          <a:xfrm>
+            <a:off x="7522358" y="1701620"/>
+            <a:ext cx="936856" cy="936856"/>
+          </a:xfrm>
+          <a:prstGeom prst="rect">
+            <a:avLst/>
+          </a:prstGeom>
+        </p:spPr>
+      </p:pic>
+      <p:pic>
+        <p:nvPicPr>
+          <p:cNvPr id="9" name="Picture 8">
+            <a:extLst>
+              <a:ext uri="{FF2B5EF4-FFF2-40B4-BE49-F238E27FC236}">
+                <a16:creationId xmlns:a16="http://schemas.microsoft.com/office/drawing/2014/main" id="{447022C7-6CDF-01C7-8D92-1CEEAD206A67}"/>
+              </a:ext>
+            </a:extLst>
+          </p:cNvPr>
+          <p:cNvPicPr>
+            <a:picLocks noChangeAspect="1"/>
+          </p:cNvPicPr>
+          <p:nvPr/>
+        </p:nvPicPr>
+        <p:blipFill>
+          <a:blip r:embed="rId3"/>
+          <a:srcRect l="17677" b="23143"/>
+          <a:stretch>
+            <a:fillRect/>
+          </a:stretch>
+        </p:blipFill>
+        <p:spPr>
+          <a:xfrm>
+            <a:off x="9868396" y="1827424"/>
+            <a:ext cx="1236022" cy="1239430"/>
+          </a:xfrm>
+          <a:prstGeom prst="rect">
+            <a:avLst/>
+          </a:prstGeom>
+        </p:spPr>
+      </p:pic>
+      <p:sp>
+        <p:nvSpPr>
+          <p:cNvPr id="13" name="TextBox 12">
+            <a:extLst>
+              <a:ext uri="{FF2B5EF4-FFF2-40B4-BE49-F238E27FC236}">
+                <a16:creationId xmlns:a16="http://schemas.microsoft.com/office/drawing/2014/main" id="{2FDCDFE1-99D0-61C6-FDFD-8F105511778C}"/>
+              </a:ext>
+            </a:extLst>
+          </p:cNvPr>
+          <p:cNvSpPr txBox="1"/>
+          <p:nvPr/>
+        </p:nvSpPr>
+        <p:spPr>
+          <a:xfrm>
+            <a:off x="8856024" y="2282373"/>
+            <a:ext cx="6097978" cy="369332"/>
+          </a:xfrm>
+          <a:prstGeom prst="rect">
+            <a:avLst/>
+          </a:prstGeom>
+          <a:noFill/>
+        </p:spPr>
+        <p:txBody>
+          <a:bodyPr wrap="square">
+            <a:spAutoFit/>
+          </a:bodyPr>
+          <a:lstStyle/>
+          <a:p>
+            <a:r>
+              <a:rPr lang="en-US" altLang="en-US" sz="1800" dirty="0">
+                <a:solidFill>
+                  <a:srgbClr val="000000"/>
+                </a:solidFill>
+                <a:latin typeface="Arial" panose="020B0604020202020204" pitchFamily="34" charset="0"/>
+              </a:rPr>
+              <a:t>VS</a:t>
+            </a:r>
+            <a:endParaRPr lang="en-US" dirty="0"/>
+          </a:p>
+        </p:txBody>
+      </p:sp>
+      <p:pic>
+        <p:nvPicPr>
+          <p:cNvPr id="22" name="Picture 21">
+            <a:extLst>
+              <a:ext uri="{FF2B5EF4-FFF2-40B4-BE49-F238E27FC236}">
+                <a16:creationId xmlns:a16="http://schemas.microsoft.com/office/drawing/2014/main" id="{619C79C0-AF22-3D36-15D2-4F9FDB0D4599}"/>
+              </a:ext>
+            </a:extLst>
+          </p:cNvPr>
+          <p:cNvPicPr>
+            <a:picLocks noChangeAspect="1"/>
+          </p:cNvPicPr>
+          <p:nvPr/>
+        </p:nvPicPr>
+        <p:blipFill>
+          <a:blip r:embed="rId4"/>
+          <a:stretch>
+            <a:fillRect/>
+          </a:stretch>
+        </p:blipFill>
+        <p:spPr>
+          <a:xfrm>
+            <a:off x="8375897" y="3239951"/>
+            <a:ext cx="1581920" cy="1655072"/>
+          </a:xfrm>
+          <a:prstGeom prst="rect">
+            <a:avLst/>
+          </a:prstGeom>
+        </p:spPr>
+      </p:pic>
+      <p:sp>
+        <p:nvSpPr>
+          <p:cNvPr id="25" name="Rectangle 2">
+            <a:extLst>
+              <a:ext uri="{FF2B5EF4-FFF2-40B4-BE49-F238E27FC236}">
+                <a16:creationId xmlns:a16="http://schemas.microsoft.com/office/drawing/2014/main" id="{46FDA524-8C7E-1907-E235-DAD6F19DE5A6}"/>
+              </a:ext>
+            </a:extLst>
+          </p:cNvPr>
+          <p:cNvSpPr>
+            <a:spLocks noChangeArrowheads="1"/>
+          </p:cNvSpPr>
+          <p:nvPr/>
+        </p:nvSpPr>
+        <p:spPr bwMode="auto">
+          <a:xfrm>
+            <a:off x="9652660" y="4356414"/>
+            <a:ext cx="2594758" cy="1077218"/>
+          </a:xfrm>
+          <a:prstGeom prst="rect">
+            <a:avLst/>
+          </a:prstGeom>
+          <a:noFill/>
+          <a:ln>
+            <a:noFill/>
+          </a:ln>
+          <a:effectLst/>
+          <a:extLst>
+            <a:ext uri="{909E8E84-426E-40DD-AFC4-6F175D3DCCD1}">
+              <a14:hiddenFill xmlns:a14="http://schemas.microsoft.com/office/drawing/2010/main">
+                <a:solidFill>
+                  <a:schemeClr val="accent1"/>
+                </a:solidFill>
+              </a14:hiddenFill>
+            </a:ext>
+            <a:ext uri="{91240B29-F687-4F45-9708-019B960494DF}">
+              <a14:hiddenLine xmlns:a14="http://schemas.microsoft.com/office/drawing/2010/main" w="9525">
+                <a:solidFill>
+                  <a:schemeClr val="tx1"/>
+                </a:solidFill>
+                <a:miter lim="800000"/>
+                <a:headEnd/>
+                <a:tailEnd/>
+              </a14:hiddenLine>
+            </a:ext>
+            <a:ext uri="{AF507438-7753-43E0-B8FC-AC1667EBCBE1}">
+              <a14:hiddenEffects xmlns:a14="http://schemas.microsoft.com/office/drawing/2010/main">
+                <a:effectLst>
+                  <a:outerShdw dist="35921" dir="2700000" algn="ctr" rotWithShape="0">
+                    <a:schemeClr val="bg2"/>
+                  </a:outerShdw>
+                </a:effectLst>
+              </a14:hiddenEffects>
+            </a:ext>
+          </a:extLst>
+        </p:spPr>
+        <p:txBody>
+          <a:bodyPr vert="horz" wrap="square" lIns="91440" tIns="45720" rIns="91440" bIns="45720" numCol="1" anchor="ctr" anchorCtr="0" compatLnSpc="1">
+            <a:prstTxWarp prst="textNoShape">
+              <a:avLst/>
+            </a:prstTxWarp>
+            <a:spAutoFit/>
+          </a:bodyPr>
+          <a:lstStyle>
+            <a:lvl1pPr eaLnBrk="0" fontAlgn="base" hangingPunct="0">
+              <a:spcBef>
+                <a:spcPct val="0"/>
+              </a:spcBef>
+              <a:spcAft>
+                <a:spcPct val="0"/>
+              </a:spcAft>
+              <a:defRPr>
+                <a:solidFill>
+                  <a:schemeClr val="tx1"/>
+                </a:solidFill>
+                <a:latin typeface="Arial" panose="020B0604020202020204" pitchFamily="34" charset="0"/>
+              </a:defRPr>
+            </a:lvl1pPr>
+            <a:lvl2pPr eaLnBrk="0" fontAlgn="base" hangingPunct="0">
+              <a:spcBef>
+                <a:spcPct val="0"/>
+              </a:spcBef>
+              <a:spcAft>
+                <a:spcPct val="0"/>
+              </a:spcAft>
+              <a:defRPr>
+                <a:solidFill>
+                  <a:schemeClr val="tx1"/>
+                </a:solidFill>
+                <a:latin typeface="Arial" panose="020B0604020202020204" pitchFamily="34" charset="0"/>
+              </a:defRPr>
+            </a:lvl2pPr>
+            <a:lvl3pPr eaLnBrk="0" fontAlgn="base" hangingPunct="0">
+              <a:spcBef>
+                <a:spcPct val="0"/>
+              </a:spcBef>
+              <a:spcAft>
+                <a:spcPct val="0"/>
+              </a:spcAft>
+              <a:defRPr>
+                <a:solidFill>
+                  <a:schemeClr val="tx1"/>
+                </a:solidFill>
+                <a:latin typeface="Arial" panose="020B0604020202020204" pitchFamily="34" charset="0"/>
+              </a:defRPr>
+            </a:lvl3pPr>
+            <a:lvl4pPr eaLnBrk="0" fontAlgn="base" hangingPunct="0">
+              <a:spcBef>
+                <a:spcPct val="0"/>
+              </a:spcBef>
+              <a:spcAft>
+                <a:spcPct val="0"/>
+              </a:spcAft>
+              <a:defRPr>
+                <a:solidFill>
+                  <a:schemeClr val="tx1"/>
+                </a:solidFill>
+                <a:latin typeface="Arial" panose="020B0604020202020204" pitchFamily="34" charset="0"/>
+              </a:defRPr>
+            </a:lvl4pPr>
+            <a:lvl5pPr eaLnBrk="0" fontAlgn="base" hangingPunct="0">
+              <a:spcBef>
+                <a:spcPct val="0"/>
+              </a:spcBef>
+              <a:spcAft>
+                <a:spcPct val="0"/>
+              </a:spcAft>
+              <a:defRPr>
+                <a:solidFill>
+                  <a:schemeClr val="tx1"/>
+                </a:solidFill>
+                <a:latin typeface="Arial" panose="020B0604020202020204" pitchFamily="34" charset="0"/>
+              </a:defRPr>
+            </a:lvl5pPr>
+            <a:lvl6pPr eaLnBrk="0" fontAlgn="base" hangingPunct="0">
+              <a:spcBef>
+                <a:spcPct val="0"/>
+              </a:spcBef>
+              <a:spcAft>
+                <a:spcPct val="0"/>
+              </a:spcAft>
+              <a:defRPr>
+                <a:solidFill>
+                  <a:schemeClr val="tx1"/>
+                </a:solidFill>
+                <a:latin typeface="Arial" panose="020B0604020202020204" pitchFamily="34" charset="0"/>
+              </a:defRPr>
+            </a:lvl6pPr>
+            <a:lvl7pPr eaLnBrk="0" fontAlgn="base" hangingPunct="0">
+              <a:spcBef>
+                <a:spcPct val="0"/>
+              </a:spcBef>
+              <a:spcAft>
+                <a:spcPct val="0"/>
+              </a:spcAft>
+              <a:defRPr>
+                <a:solidFill>
+                  <a:schemeClr val="tx1"/>
+                </a:solidFill>
+                <a:latin typeface="Arial" panose="020B0604020202020204" pitchFamily="34" charset="0"/>
+              </a:defRPr>
+            </a:lvl7pPr>
+            <a:lvl8pPr eaLnBrk="0" fontAlgn="base" hangingPunct="0">
+              <a:spcBef>
+                <a:spcPct val="0"/>
+              </a:spcBef>
+              <a:spcAft>
+                <a:spcPct val="0"/>
+              </a:spcAft>
+              <a:defRPr>
+                <a:solidFill>
+                  <a:schemeClr val="tx1"/>
+                </a:solidFill>
+                <a:latin typeface="Arial" panose="020B0604020202020204" pitchFamily="34" charset="0"/>
+              </a:defRPr>
+            </a:lvl8pPr>
+            <a:lvl9pPr eaLnBrk="0" fontAlgn="base" hangingPunct="0">
+              <a:spcBef>
+                <a:spcPct val="0"/>
+              </a:spcBef>
+              <a:spcAft>
+                <a:spcPct val="0"/>
+              </a:spcAft>
+              <a:defRPr>
+                <a:solidFill>
+                  <a:schemeClr val="tx1"/>
+                </a:solidFill>
+                <a:latin typeface="Arial" panose="020B0604020202020204" pitchFamily="34" charset="0"/>
+              </a:defRPr>
+            </a:lvl9pPr>
+          </a:lstStyle>
+          <a:p>
+            <a:pPr marL="0" marR="0" lvl="0" indent="0" algn="l" defTabSz="914400" rtl="0" eaLnBrk="0" fontAlgn="base" latinLnBrk="0" hangingPunct="0">
+              <a:lnSpc>
+                <a:spcPct val="100000"/>
+              </a:lnSpc>
+              <a:spcBef>
+                <a:spcPct val="0"/>
+              </a:spcBef>
+              <a:spcAft>
+                <a:spcPct val="0"/>
+              </a:spcAft>
+              <a:buClrTx/>
+              <a:buSzTx/>
+              <a:buFontTx/>
+              <a:buNone/>
+              <a:tabLst/>
+            </a:pPr>
+            <a:r>
+              <a:rPr lang="en-US" altLang="en-US" sz="1600" dirty="0">
+                <a:solidFill>
+                  <a:srgbClr val="000000"/>
+                </a:solidFill>
+              </a:rPr>
+              <a:t>F1 combines precision and recall, giving balanced measure of performance on the minority class.</a:t>
+            </a:r>
+          </a:p>
+        </p:txBody>
+      </p:sp>
+      <p:pic>
+        <p:nvPicPr>
+          <p:cNvPr id="26" name="Picture 25">
+            <a:extLst>
+              <a:ext uri="{FF2B5EF4-FFF2-40B4-BE49-F238E27FC236}">
+                <a16:creationId xmlns:a16="http://schemas.microsoft.com/office/drawing/2014/main" id="{92CF16D6-89C7-0C60-FB1C-1353D09D4668}"/>
+              </a:ext>
+            </a:extLst>
+          </p:cNvPr>
+          <p:cNvPicPr>
+            <a:picLocks noChangeAspect="1"/>
+          </p:cNvPicPr>
+          <p:nvPr/>
+        </p:nvPicPr>
+        <p:blipFill>
+          <a:blip r:embed="rId5"/>
+          <a:stretch>
+            <a:fillRect/>
+          </a:stretch>
+        </p:blipFill>
+        <p:spPr>
+          <a:xfrm>
+            <a:off x="9890496" y="3657599"/>
+            <a:ext cx="703283" cy="703283"/>
+          </a:xfrm>
+          <a:prstGeom prst="rect">
+            <a:avLst/>
+          </a:prstGeom>
+        </p:spPr>
+      </p:pic>
+    </p:spTree>
+    <p:extLst>
+      <p:ext uri="{BB962C8B-B14F-4D97-AF65-F5344CB8AC3E}">
+        <p14:creationId xmlns:p14="http://schemas.microsoft.com/office/powerpoint/2010/main" val="2033785465"/>
+      </p:ext>
+    </p:extLst>
+  </p:cSld>
+  <p:clrMapOvr>
+    <a:masterClrMapping/>
+  </p:clrMapOvr>
+</p:sld>
+</file>
+
+<file path=ppt/slides/slide6.xml><?xml version="1.0" encoding="utf-8"?>
+<p:sld xmlns:a="http://schemas.openxmlformats.org/drawingml/2006/main" xmlns:r="http://schemas.openxmlformats.org/officeDocument/2006/relationships" xmlns:p="http://schemas.openxmlformats.org/presentationml/2006/main">
+  <p:cSld>
+    <p:spTree>
+      <p:nvGrpSpPr>
+        <p:cNvPr id="1" name="">
+          <a:extLst>
+            <a:ext uri="{FF2B5EF4-FFF2-40B4-BE49-F238E27FC236}">
+              <a16:creationId xmlns:a16="http://schemas.microsoft.com/office/drawing/2014/main" id="{DC1A612E-F288-F039-8E1B-7986FCAA245A}"/>
+            </a:ext>
+          </a:extLst>
+        </p:cNvPr>
+        <p:cNvGrpSpPr/>
+        <p:nvPr/>
+      </p:nvGrpSpPr>
+      <p:grpSpPr>
+        <a:xfrm>
+          <a:off x="0" y="0"/>
+          <a:ext cx="0" cy="0"/>
+          <a:chOff x="0" y="0"/>
+          <a:chExt cx="0" cy="0"/>
+        </a:xfrm>
+      </p:grpSpPr>
+      <p:sp>
+        <p:nvSpPr>
+          <p:cNvPr id="2" name="Title 1">
+            <a:extLst>
+              <a:ext uri="{FF2B5EF4-FFF2-40B4-BE49-F238E27FC236}">
+                <a16:creationId xmlns:a16="http://schemas.microsoft.com/office/drawing/2014/main" id="{58555E6D-32ED-AA42-94D6-449F0B402034}"/>
+              </a:ext>
+            </a:extLst>
+          </p:cNvPr>
+          <p:cNvSpPr>
+            <a:spLocks noGrp="1"/>
+          </p:cNvSpPr>
+          <p:nvPr>
+            <p:ph type="title"/>
+          </p:nvPr>
+        </p:nvSpPr>
+        <p:spPr/>
+        <p:txBody>
+          <a:bodyPr/>
+          <a:lstStyle/>
+          <a:p>
+            <a:r>
+              <a:rPr lang="en-US" dirty="0"/>
+              <a:t>Model evaluation and performance metrics</a:t>
+            </a:r>
+          </a:p>
+        </p:txBody>
+      </p:sp>
+      <p:graphicFrame>
+        <p:nvGraphicFramePr>
+          <p:cNvPr id="9" name="Table 8">
+            <a:extLst>
+              <a:ext uri="{FF2B5EF4-FFF2-40B4-BE49-F238E27FC236}">
+                <a16:creationId xmlns:a16="http://schemas.microsoft.com/office/drawing/2014/main" id="{69227D9F-44FB-87C7-7D21-27F72BD19596}"/>
+              </a:ext>
+            </a:extLst>
+          </p:cNvPr>
+          <p:cNvGraphicFramePr>
+            <a:graphicFrameLocks noGrp="1"/>
+          </p:cNvGraphicFramePr>
+          <p:nvPr>
+            <p:extLst>
+              <p:ext uri="{D42A27DB-BD31-4B8C-83A1-F6EECF244321}">
+                <p14:modId xmlns:p14="http://schemas.microsoft.com/office/powerpoint/2010/main" val="3269103699"/>
+              </p:ext>
+            </p:extLst>
+          </p:nvPr>
+        </p:nvGraphicFramePr>
+        <p:xfrm>
+          <a:off x="612512" y="1580596"/>
+          <a:ext cx="10653714" cy="2194560"/>
+        </p:xfrm>
+        <a:graphic>
+          <a:graphicData uri="http://schemas.openxmlformats.org/drawingml/2006/table">
+            <a:tbl>
+              <a:tblPr/>
+              <a:tblGrid>
+                <a:gridCol w="3551238">
+                  <a:extLst>
+                    <a:ext uri="{9D8B030D-6E8A-4147-A177-3AD203B41FA5}">
+                      <a16:colId xmlns:a16="http://schemas.microsoft.com/office/drawing/2014/main" val="2058247814"/>
+                    </a:ext>
+                  </a:extLst>
+                </a:gridCol>
+                <a:gridCol w="3551238">
+                  <a:extLst>
+                    <a:ext uri="{9D8B030D-6E8A-4147-A177-3AD203B41FA5}">
+                      <a16:colId xmlns:a16="http://schemas.microsoft.com/office/drawing/2014/main" val="730818361"/>
+                    </a:ext>
+                  </a:extLst>
+                </a:gridCol>
+                <a:gridCol w="3551238">
+                  <a:extLst>
+                    <a:ext uri="{9D8B030D-6E8A-4147-A177-3AD203B41FA5}">
+                      <a16:colId xmlns:a16="http://schemas.microsoft.com/office/drawing/2014/main" val="3763533843"/>
+                    </a:ext>
+                  </a:extLst>
+                </a:gridCol>
+              </a:tblGrid>
+              <a:tr h="365760">
+                <a:tc>
+                  <a:txBody>
+                    <a:bodyPr/>
+                    <a:lstStyle/>
+                    <a:p>
+                      <a:pPr>
+                        <a:buNone/>
+                      </a:pPr>
+                      <a:r>
+                        <a:rPr lang="en-GB" sz="1800" b="1" dirty="0"/>
+                        <a:t>Model</a:t>
+                      </a:r>
+                    </a:p>
+                  </a:txBody>
+                  <a:tcPr anchor="ctr">
+                    <a:lnL>
+                      <a:noFill/>
+                    </a:lnL>
+                    <a:lnR>
+                      <a:noFill/>
+                    </a:lnR>
+                    <a:lnT>
+                      <a:noFill/>
+                    </a:lnT>
+                    <a:lnB>
+                      <a:noFill/>
+                    </a:lnB>
+                    <a:solidFill>
+                      <a:schemeClr val="bg1">
+                        <a:lumMod val="85000"/>
+                      </a:schemeClr>
+                    </a:solidFill>
+                  </a:tcPr>
+                </a:tc>
+                <a:tc>
+                  <a:txBody>
+                    <a:bodyPr/>
+                    <a:lstStyle/>
+                    <a:p>
+                      <a:pPr>
+                        <a:buNone/>
+                      </a:pPr>
+                      <a:r>
+                        <a:rPr lang="en-GB" sz="1800"/>
+                        <a:t>ROC AUC</a:t>
+                      </a:r>
+                    </a:p>
+                  </a:txBody>
+                  <a:tcPr anchor="ctr">
+                    <a:lnL>
+                      <a:noFill/>
+                    </a:lnL>
+                    <a:lnR>
+                      <a:noFill/>
+                    </a:lnR>
+                    <a:lnT>
+                      <a:noFill/>
+                    </a:lnT>
+                    <a:lnB>
+                      <a:noFill/>
+                    </a:lnB>
+                    <a:solidFill>
+                      <a:schemeClr val="bg1">
+                        <a:lumMod val="85000"/>
+                      </a:schemeClr>
+                    </a:solidFill>
+                  </a:tcPr>
+                </a:tc>
+                <a:tc>
+                  <a:txBody>
+                    <a:bodyPr/>
+                    <a:lstStyle/>
+                    <a:p>
+                      <a:pPr>
+                        <a:buNone/>
+                      </a:pPr>
+                      <a:r>
+                        <a:rPr lang="en-GB" sz="1800" dirty="0"/>
+                        <a:t>F1 Macro</a:t>
+                      </a:r>
+                    </a:p>
+                  </a:txBody>
+                  <a:tcPr anchor="ctr">
+                    <a:lnL>
+                      <a:noFill/>
+                    </a:lnL>
+                    <a:lnR>
+                      <a:noFill/>
+                    </a:lnR>
+                    <a:lnT>
+                      <a:noFill/>
+                    </a:lnT>
+                    <a:lnB>
+                      <a:noFill/>
+                    </a:lnB>
+                    <a:solidFill>
+                      <a:schemeClr val="bg1">
+                        <a:lumMod val="85000"/>
+                      </a:schemeClr>
+                    </a:solidFill>
+                  </a:tcPr>
+                </a:tc>
+                <a:extLst>
+                  <a:ext uri="{0D108BD9-81ED-4DB2-BD59-A6C34878D82A}">
+                    <a16:rowId xmlns:a16="http://schemas.microsoft.com/office/drawing/2014/main" val="1205571325"/>
+                  </a:ext>
+                </a:extLst>
+              </a:tr>
+              <a:tr h="365760">
+                <a:tc>
+                  <a:txBody>
+                    <a:bodyPr/>
+                    <a:lstStyle/>
+                    <a:p>
+                      <a:pPr>
+                        <a:buNone/>
+                      </a:pPr>
+                      <a:r>
+                        <a:rPr lang="en-GB" sz="1800"/>
+                        <a:t>XGBoost</a:t>
+                      </a:r>
+                    </a:p>
+                  </a:txBody>
+                  <a:tcPr anchor="ctr">
+                    <a:lnL>
+                      <a:noFill/>
+                    </a:lnL>
+                    <a:lnR>
+                      <a:noFill/>
+                    </a:lnR>
+                    <a:lnT>
+                      <a:noFill/>
+                    </a:lnT>
+                    <a:lnB>
+                      <a:noFill/>
+                    </a:lnB>
+                    <a:solidFill>
+                      <a:schemeClr val="bg1">
+                        <a:lumMod val="85000"/>
+                      </a:schemeClr>
+                    </a:solidFill>
+                  </a:tcPr>
+                </a:tc>
+                <a:tc>
+                  <a:txBody>
+                    <a:bodyPr/>
+                    <a:lstStyle/>
+                    <a:p>
+                      <a:pPr>
+                        <a:buNone/>
+                      </a:pPr>
+                      <a:r>
+                        <a:rPr lang="en-GB" sz="1800" b="1"/>
+                        <a:t>0.946</a:t>
+                      </a:r>
+                      <a:endParaRPr lang="en-GB" sz="1800"/>
+                    </a:p>
+                  </a:txBody>
+                  <a:tcPr anchor="ctr">
+                    <a:lnL>
+                      <a:noFill/>
+                    </a:lnL>
+                    <a:lnR>
+                      <a:noFill/>
+                    </a:lnR>
+                    <a:lnT>
+                      <a:noFill/>
+                    </a:lnT>
+                    <a:lnB>
+                      <a:noFill/>
+                    </a:lnB>
+                    <a:noFill/>
+                  </a:tcPr>
+                </a:tc>
+                <a:tc>
+                  <a:txBody>
+                    <a:bodyPr/>
+                    <a:lstStyle/>
+                    <a:p>
+                      <a:pPr>
+                        <a:buNone/>
+                      </a:pPr>
+                      <a:r>
+                        <a:rPr lang="en-GB" sz="1800" b="1"/>
+                        <a:t>0.785</a:t>
+                      </a:r>
+                      <a:endParaRPr lang="en-GB" sz="1800"/>
+                    </a:p>
+                  </a:txBody>
+                  <a:tcPr anchor="ctr">
+                    <a:lnL>
+                      <a:noFill/>
+                    </a:lnL>
+                    <a:lnR>
+                      <a:noFill/>
+                    </a:lnR>
+                    <a:lnT>
+                      <a:noFill/>
+                    </a:lnT>
+                    <a:lnB>
+                      <a:noFill/>
+                    </a:lnB>
+                    <a:noFill/>
+                  </a:tcPr>
+                </a:tc>
+                <a:extLst>
+                  <a:ext uri="{0D108BD9-81ED-4DB2-BD59-A6C34878D82A}">
+                    <a16:rowId xmlns:a16="http://schemas.microsoft.com/office/drawing/2014/main" val="1462726852"/>
+                  </a:ext>
+                </a:extLst>
+              </a:tr>
+              <a:tr h="365760">
+                <a:tc>
+                  <a:txBody>
+                    <a:bodyPr/>
+                    <a:lstStyle/>
+                    <a:p>
+                      <a:pPr>
+                        <a:buNone/>
+                      </a:pPr>
+                      <a:r>
+                        <a:rPr lang="en-GB" sz="1800"/>
+                        <a:t>Gradient Boosting</a:t>
+                      </a:r>
+                    </a:p>
+                  </a:txBody>
+                  <a:tcPr anchor="ctr">
+                    <a:lnL>
+                      <a:noFill/>
+                    </a:lnL>
+                    <a:lnR>
+                      <a:noFill/>
+                    </a:lnR>
+                    <a:lnT>
+                      <a:noFill/>
+                    </a:lnT>
+                    <a:lnB>
+                      <a:noFill/>
+                    </a:lnB>
+                    <a:solidFill>
+                      <a:schemeClr val="bg1">
+                        <a:lumMod val="85000"/>
+                      </a:schemeClr>
+                    </a:solidFill>
+                  </a:tcPr>
+                </a:tc>
+                <a:tc>
+                  <a:txBody>
+                    <a:bodyPr/>
+                    <a:lstStyle/>
+                    <a:p>
+                      <a:pPr>
+                        <a:buNone/>
+                      </a:pPr>
+                      <a:r>
+                        <a:rPr lang="en-GB" sz="1800"/>
+                        <a:t>0.941</a:t>
+                      </a:r>
+                    </a:p>
+                  </a:txBody>
+                  <a:tcPr anchor="ctr">
+                    <a:lnL>
+                      <a:noFill/>
+                    </a:lnL>
+                    <a:lnR>
+                      <a:noFill/>
+                    </a:lnR>
+                    <a:lnT>
+                      <a:noFill/>
+                    </a:lnT>
+                    <a:lnB>
+                      <a:noFill/>
+                    </a:lnB>
+                    <a:noFill/>
+                  </a:tcPr>
+                </a:tc>
+                <a:tc>
+                  <a:txBody>
+                    <a:bodyPr/>
+                    <a:lstStyle/>
+                    <a:p>
+                      <a:pPr>
+                        <a:buNone/>
+                      </a:pPr>
+                      <a:r>
+                        <a:rPr lang="en-GB" sz="1800"/>
+                        <a:t>0.767</a:t>
+                      </a:r>
+                    </a:p>
+                  </a:txBody>
+                  <a:tcPr anchor="ctr">
+                    <a:lnL>
+                      <a:noFill/>
+                    </a:lnL>
+                    <a:lnR>
+                      <a:noFill/>
+                    </a:lnR>
+                    <a:lnT>
+                      <a:noFill/>
+                    </a:lnT>
+                    <a:lnB>
+                      <a:noFill/>
+                    </a:lnB>
+                    <a:noFill/>
+                  </a:tcPr>
+                </a:tc>
+                <a:extLst>
+                  <a:ext uri="{0D108BD9-81ED-4DB2-BD59-A6C34878D82A}">
+                    <a16:rowId xmlns:a16="http://schemas.microsoft.com/office/drawing/2014/main" val="98671927"/>
+                  </a:ext>
+                </a:extLst>
+              </a:tr>
+              <a:tr h="365760">
+                <a:tc>
+                  <a:txBody>
+                    <a:bodyPr/>
+                    <a:lstStyle/>
+                    <a:p>
+                      <a:pPr>
+                        <a:buNone/>
+                      </a:pPr>
+                      <a:r>
+                        <a:rPr lang="en-GB" sz="1800"/>
+                        <a:t>Random Forest</a:t>
+                      </a:r>
+                    </a:p>
+                  </a:txBody>
+                  <a:tcPr anchor="ctr">
+                    <a:lnL>
+                      <a:noFill/>
+                    </a:lnL>
+                    <a:lnR>
+                      <a:noFill/>
+                    </a:lnR>
+                    <a:lnT>
+                      <a:noFill/>
+                    </a:lnT>
+                    <a:lnB>
+                      <a:noFill/>
+                    </a:lnB>
+                    <a:solidFill>
+                      <a:schemeClr val="bg1">
+                        <a:lumMod val="85000"/>
+                      </a:schemeClr>
+                    </a:solidFill>
+                  </a:tcPr>
+                </a:tc>
+                <a:tc>
+                  <a:txBody>
+                    <a:bodyPr/>
+                    <a:lstStyle/>
+                    <a:p>
+                      <a:pPr>
+                        <a:buNone/>
+                      </a:pPr>
+                      <a:r>
+                        <a:rPr lang="en-GB" sz="1800"/>
+                        <a:t>0.931</a:t>
+                      </a:r>
+                    </a:p>
+                  </a:txBody>
+                  <a:tcPr anchor="ctr">
+                    <a:lnL>
+                      <a:noFill/>
+                    </a:lnL>
+                    <a:lnR>
+                      <a:noFill/>
+                    </a:lnR>
+                    <a:lnT>
+                      <a:noFill/>
+                    </a:lnT>
+                    <a:lnB>
+                      <a:noFill/>
+                    </a:lnB>
+                    <a:noFill/>
+                  </a:tcPr>
+                </a:tc>
+                <a:tc>
+                  <a:txBody>
+                    <a:bodyPr/>
+                    <a:lstStyle/>
+                    <a:p>
+                      <a:pPr>
+                        <a:buNone/>
+                      </a:pPr>
+                      <a:r>
+                        <a:rPr lang="en-GB" sz="1800"/>
+                        <a:t>0.741</a:t>
+                      </a:r>
+                    </a:p>
+                  </a:txBody>
+                  <a:tcPr anchor="ctr">
+                    <a:lnL>
+                      <a:noFill/>
+                    </a:lnL>
+                    <a:lnR>
+                      <a:noFill/>
+                    </a:lnR>
+                    <a:lnT>
+                      <a:noFill/>
+                    </a:lnT>
+                    <a:lnB>
+                      <a:noFill/>
+                    </a:lnB>
+                    <a:noFill/>
+                  </a:tcPr>
+                </a:tc>
+                <a:extLst>
+                  <a:ext uri="{0D108BD9-81ED-4DB2-BD59-A6C34878D82A}">
+                    <a16:rowId xmlns:a16="http://schemas.microsoft.com/office/drawing/2014/main" val="2176989706"/>
+                  </a:ext>
+                </a:extLst>
+              </a:tr>
+              <a:tr h="365760">
+                <a:tc>
+                  <a:txBody>
+                    <a:bodyPr/>
+                    <a:lstStyle/>
+                    <a:p>
+                      <a:pPr>
+                        <a:buNone/>
+                      </a:pPr>
+                      <a:r>
+                        <a:rPr lang="en-GB" sz="1800"/>
+                        <a:t>Logistic Regression</a:t>
+                      </a:r>
+                    </a:p>
+                  </a:txBody>
+                  <a:tcPr anchor="ctr">
+                    <a:lnL>
+                      <a:noFill/>
+                    </a:lnL>
+                    <a:lnR>
+                      <a:noFill/>
+                    </a:lnR>
+                    <a:lnT>
+                      <a:noFill/>
+                    </a:lnT>
+                    <a:lnB>
+                      <a:noFill/>
+                    </a:lnB>
+                    <a:solidFill>
+                      <a:schemeClr val="bg1">
+                        <a:lumMod val="85000"/>
+                      </a:schemeClr>
+                    </a:solidFill>
+                  </a:tcPr>
+                </a:tc>
+                <a:tc>
+                  <a:txBody>
+                    <a:bodyPr/>
+                    <a:lstStyle/>
+                    <a:p>
+                      <a:pPr>
+                        <a:buNone/>
+                      </a:pPr>
+                      <a:r>
+                        <a:rPr lang="en-GB" sz="1800" dirty="0"/>
+                        <a:t>0.933</a:t>
+                      </a:r>
+                    </a:p>
+                  </a:txBody>
+                  <a:tcPr anchor="ctr">
+                    <a:lnL>
+                      <a:noFill/>
+                    </a:lnL>
+                    <a:lnR>
+                      <a:noFill/>
+                    </a:lnR>
+                    <a:lnT>
+                      <a:noFill/>
+                    </a:lnT>
+                    <a:lnB>
+                      <a:noFill/>
+                    </a:lnB>
+                    <a:noFill/>
+                  </a:tcPr>
+                </a:tc>
+                <a:tc>
+                  <a:txBody>
+                    <a:bodyPr/>
+                    <a:lstStyle/>
+                    <a:p>
+                      <a:pPr>
+                        <a:buNone/>
+                      </a:pPr>
+                      <a:r>
+                        <a:rPr lang="en-GB" sz="1800"/>
+                        <a:t>0.687</a:t>
+                      </a:r>
+                    </a:p>
+                  </a:txBody>
+                  <a:tcPr anchor="ctr">
+                    <a:lnL>
+                      <a:noFill/>
+                    </a:lnL>
+                    <a:lnR>
+                      <a:noFill/>
+                    </a:lnR>
+                    <a:lnT>
+                      <a:noFill/>
+                    </a:lnT>
+                    <a:lnB>
+                      <a:noFill/>
+                    </a:lnB>
+                    <a:noFill/>
+                  </a:tcPr>
+                </a:tc>
+                <a:extLst>
+                  <a:ext uri="{0D108BD9-81ED-4DB2-BD59-A6C34878D82A}">
+                    <a16:rowId xmlns:a16="http://schemas.microsoft.com/office/drawing/2014/main" val="2661435936"/>
+                  </a:ext>
+                </a:extLst>
+              </a:tr>
+              <a:tr h="365760">
+                <a:tc>
+                  <a:txBody>
+                    <a:bodyPr/>
+                    <a:lstStyle/>
+                    <a:p>
+                      <a:pPr>
+                        <a:buNone/>
+                      </a:pPr>
+                      <a:r>
+                        <a:rPr lang="en-GB" sz="1800" dirty="0"/>
+                        <a:t>Decision Tree</a:t>
+                      </a:r>
+                    </a:p>
+                  </a:txBody>
+                  <a:tcPr anchor="ctr">
+                    <a:lnL>
+                      <a:noFill/>
+                    </a:lnL>
+                    <a:lnR>
+                      <a:noFill/>
+                    </a:lnR>
+                    <a:lnT>
+                      <a:noFill/>
+                    </a:lnT>
+                    <a:lnB>
+                      <a:noFill/>
+                    </a:lnB>
+                    <a:solidFill>
+                      <a:schemeClr val="bg1">
+                        <a:lumMod val="85000"/>
+                      </a:schemeClr>
+                    </a:solidFill>
+                  </a:tcPr>
+                </a:tc>
+                <a:tc>
+                  <a:txBody>
+                    <a:bodyPr/>
+                    <a:lstStyle/>
+                    <a:p>
+                      <a:pPr>
+                        <a:buNone/>
+                      </a:pPr>
+                      <a:r>
+                        <a:rPr lang="en-GB" sz="1800" dirty="0"/>
+                        <a:t>0.877</a:t>
+                      </a:r>
+                    </a:p>
+                  </a:txBody>
+                  <a:tcPr anchor="ctr">
+                    <a:lnL>
+                      <a:noFill/>
+                    </a:lnL>
+                    <a:lnR>
+                      <a:noFill/>
+                    </a:lnR>
+                    <a:lnT>
+                      <a:noFill/>
+                    </a:lnT>
+                    <a:lnB>
+                      <a:noFill/>
+                    </a:lnB>
+                    <a:noFill/>
+                  </a:tcPr>
+                </a:tc>
+                <a:tc>
+                  <a:txBody>
+                    <a:bodyPr/>
+                    <a:lstStyle/>
+                    <a:p>
+                      <a:pPr>
+                        <a:buNone/>
+                      </a:pPr>
+                      <a:r>
+                        <a:rPr lang="en-GB" sz="1800" dirty="0"/>
+                        <a:t>0.675</a:t>
+                      </a:r>
+                    </a:p>
+                  </a:txBody>
+                  <a:tcPr anchor="ctr">
+                    <a:lnL>
+                      <a:noFill/>
+                    </a:lnL>
+                    <a:lnR>
+                      <a:noFill/>
+                    </a:lnR>
+                    <a:lnT>
+                      <a:noFill/>
+                    </a:lnT>
+                    <a:lnB>
+                      <a:noFill/>
+                    </a:lnB>
+                    <a:noFill/>
+                  </a:tcPr>
+                </a:tc>
+                <a:extLst>
+                  <a:ext uri="{0D108BD9-81ED-4DB2-BD59-A6C34878D82A}">
+                    <a16:rowId xmlns:a16="http://schemas.microsoft.com/office/drawing/2014/main" val="995891340"/>
+                  </a:ext>
+                </a:extLst>
+              </a:tr>
+            </a:tbl>
+          </a:graphicData>
+        </a:graphic>
+      </p:graphicFrame>
+      <p:sp>
+        <p:nvSpPr>
+          <p:cNvPr id="11" name="Rectangle 2">
+            <a:extLst>
+              <a:ext uri="{FF2B5EF4-FFF2-40B4-BE49-F238E27FC236}">
+                <a16:creationId xmlns:a16="http://schemas.microsoft.com/office/drawing/2014/main" id="{43C553E0-394D-E695-BB7D-950C17195AF1}"/>
+              </a:ext>
+            </a:extLst>
+          </p:cNvPr>
+          <p:cNvSpPr>
+            <a:spLocks noChangeArrowheads="1"/>
+          </p:cNvSpPr>
+          <p:nvPr/>
+        </p:nvSpPr>
+        <p:spPr bwMode="auto">
+          <a:xfrm>
+            <a:off x="612512" y="4219999"/>
+            <a:ext cx="7484806" cy="1754326"/>
+          </a:xfrm>
+          <a:prstGeom prst="rect">
+            <a:avLst/>
+          </a:prstGeom>
+          <a:noFill/>
+          <a:ln>
+            <a:noFill/>
+          </a:ln>
+          <a:effectLst/>
+          <a:extLst>
+            <a:ext uri="{909E8E84-426E-40DD-AFC4-6F175D3DCCD1}">
+              <a14:hiddenFill xmlns:a14="http://schemas.microsoft.com/office/drawing/2010/main">
+                <a:solidFill>
+                  <a:schemeClr val="accent1"/>
+                </a:solidFill>
+              </a14:hiddenFill>
+            </a:ext>
+            <a:ext uri="{91240B29-F687-4F45-9708-019B960494DF}">
+              <a14:hiddenLine xmlns:a14="http://schemas.microsoft.com/office/drawing/2010/main" w="9525">
+                <a:solidFill>
+                  <a:schemeClr val="tx1"/>
+                </a:solidFill>
+                <a:miter lim="800000"/>
+                <a:headEnd/>
+                <a:tailEnd/>
+              </a14:hiddenLine>
+            </a:ext>
+            <a:ext uri="{AF507438-7753-43E0-B8FC-AC1667EBCBE1}">
+              <a14:hiddenEffects xmlns:a14="http://schemas.microsoft.com/office/drawing/2010/main">
+                <a:effectLst>
+                  <a:outerShdw dist="35921" dir="2700000" algn="ctr" rotWithShape="0">
+                    <a:schemeClr val="bg2"/>
+                  </a:outerShdw>
+                </a:effectLst>
+              </a14:hiddenEffects>
+            </a:ext>
+          </a:extLst>
+        </p:spPr>
+        <p:txBody>
+          <a:bodyPr vert="horz" wrap="none" lIns="91440" tIns="45720" rIns="91440" bIns="45720" numCol="1" anchor="ctr" anchorCtr="0" compatLnSpc="1">
+            <a:prstTxWarp prst="textNoShape">
+              <a:avLst/>
+            </a:prstTxWarp>
+            <a:spAutoFit/>
+          </a:bodyPr>
+          <a:lstStyle/>
+          <a:p>
+            <a:pPr marL="0" marR="0" lvl="0" indent="0" algn="l" defTabSz="914400" rtl="0" eaLnBrk="0" fontAlgn="base" latinLnBrk="0" hangingPunct="0">
+              <a:lnSpc>
+                <a:spcPct val="100000"/>
+              </a:lnSpc>
+              <a:spcBef>
+                <a:spcPct val="0"/>
+              </a:spcBef>
+              <a:spcAft>
+                <a:spcPct val="0"/>
+              </a:spcAft>
+              <a:buClrTx/>
+              <a:buSzTx/>
+              <a:buFontTx/>
+              <a:buNone/>
+              <a:tabLst/>
+            </a:pPr>
+            <a:r>
+              <a:rPr kumimoji="0" lang="en-US" altLang="en-US" sz="1800" b="1" i="0" u="none" strike="noStrike" cap="none" normalizeH="0" baseline="0" dirty="0">
+                <a:ln>
+                  <a:noFill/>
+                </a:ln>
+                <a:solidFill>
+                  <a:srgbClr val="000000"/>
+                </a:solidFill>
+                <a:effectLst/>
+                <a:latin typeface="Arial" panose="020B0604020202020204" pitchFamily="34" charset="0"/>
+              </a:rPr>
+              <a:t>Insights:</a:t>
+            </a:r>
+          </a:p>
+          <a:p>
+            <a:pPr marL="0" marR="0" lvl="0" indent="0" algn="l" defTabSz="914400" rtl="0" eaLnBrk="0" fontAlgn="base" latinLnBrk="0" hangingPunct="0">
+              <a:lnSpc>
+                <a:spcPct val="100000"/>
+              </a:lnSpc>
+              <a:spcBef>
+                <a:spcPct val="0"/>
+              </a:spcBef>
+              <a:spcAft>
+                <a:spcPct val="0"/>
+              </a:spcAft>
+              <a:buClrTx/>
+              <a:buSzTx/>
+              <a:buFontTx/>
+              <a:buNone/>
+              <a:tabLst/>
+            </a:pPr>
+            <a:endParaRPr kumimoji="0" lang="en-US" altLang="en-US" sz="1800" b="0" i="0" u="none" strike="noStrike" cap="none" normalizeH="0" baseline="0" dirty="0">
+              <a:ln>
+                <a:noFill/>
+              </a:ln>
+              <a:solidFill>
+                <a:schemeClr val="tx1"/>
+              </a:solidFill>
+              <a:effectLst/>
+              <a:latin typeface="Arial" panose="020B0604020202020204" pitchFamily="34" charset="0"/>
+            </a:endParaRPr>
+          </a:p>
+          <a:p>
+            <a:pPr marL="0" marR="0" lvl="0" indent="0" algn="l" defTabSz="914400" rtl="0" eaLnBrk="0" fontAlgn="base" latinLnBrk="0" hangingPunct="0">
+              <a:lnSpc>
+                <a:spcPct val="100000"/>
+              </a:lnSpc>
+              <a:spcBef>
+                <a:spcPct val="0"/>
+              </a:spcBef>
+              <a:spcAft>
+                <a:spcPct val="0"/>
+              </a:spcAft>
+              <a:buClrTx/>
+              <a:buSzTx/>
+              <a:buFontTx/>
+              <a:buChar char="•"/>
+              <a:tabLst/>
+            </a:pPr>
+            <a:r>
+              <a:rPr kumimoji="0" lang="en-US" altLang="en-US" sz="1800" b="1" i="0" u="none" strike="noStrike" cap="none" normalizeH="0" baseline="0" dirty="0" err="1">
+                <a:ln>
+                  <a:noFill/>
+                </a:ln>
+                <a:solidFill>
+                  <a:srgbClr val="000000"/>
+                </a:solidFill>
+                <a:effectLst/>
+                <a:latin typeface="Arial" panose="020B0604020202020204" pitchFamily="34" charset="0"/>
+              </a:rPr>
+              <a:t>XGBoost</a:t>
+            </a:r>
+            <a:r>
+              <a:rPr kumimoji="0" lang="en-US" altLang="en-US" sz="1800" b="0" i="0" u="none" strike="noStrike" cap="none" normalizeH="0" baseline="0" dirty="0">
+                <a:ln>
+                  <a:noFill/>
+                </a:ln>
+                <a:solidFill>
+                  <a:srgbClr val="000000"/>
+                </a:solidFill>
+                <a:effectLst/>
+                <a:latin typeface="Arial" panose="020B0604020202020204" pitchFamily="34" charset="0"/>
+              </a:rPr>
+              <a:t> achieved the best balance between precision and recall.</a:t>
+            </a:r>
+          </a:p>
+          <a:p>
+            <a:pPr marL="0" marR="0" lvl="0" indent="0" algn="l" defTabSz="914400" rtl="0" eaLnBrk="0" fontAlgn="base" latinLnBrk="0" hangingPunct="0">
+              <a:lnSpc>
+                <a:spcPct val="100000"/>
+              </a:lnSpc>
+              <a:spcBef>
+                <a:spcPct val="0"/>
+              </a:spcBef>
+              <a:spcAft>
+                <a:spcPct val="0"/>
+              </a:spcAft>
+              <a:buClrTx/>
+              <a:buSzTx/>
+              <a:buFontTx/>
+              <a:buChar char="•"/>
+              <a:tabLst/>
+            </a:pPr>
+            <a:endParaRPr kumimoji="0" lang="en-US" altLang="en-US" sz="1800" b="0" i="0" u="none" strike="noStrike" cap="none" normalizeH="0" baseline="0" dirty="0">
+              <a:ln>
+                <a:noFill/>
+              </a:ln>
+              <a:solidFill>
+                <a:srgbClr val="000000"/>
+              </a:solidFill>
+              <a:effectLst/>
+              <a:latin typeface="Arial" panose="020B0604020202020204" pitchFamily="34" charset="0"/>
+            </a:endParaRPr>
+          </a:p>
+          <a:p>
+            <a:pPr marL="0" marR="0" lvl="0" indent="0" algn="l" defTabSz="914400" rtl="0" eaLnBrk="0" fontAlgn="base" latinLnBrk="0" hangingPunct="0">
+              <a:lnSpc>
+                <a:spcPct val="100000"/>
+              </a:lnSpc>
+              <a:spcBef>
+                <a:spcPct val="0"/>
+              </a:spcBef>
+              <a:spcAft>
+                <a:spcPct val="0"/>
+              </a:spcAft>
+              <a:buClrTx/>
+              <a:buSzTx/>
+              <a:buFontTx/>
+              <a:buChar char="•"/>
+              <a:tabLst/>
+            </a:pPr>
+            <a:r>
+              <a:rPr kumimoji="0" lang="en-US" altLang="en-US" sz="1800" b="0" i="0" u="none" strike="noStrike" cap="none" normalizeH="0" baseline="0" dirty="0">
+                <a:ln>
+                  <a:noFill/>
+                </a:ln>
+                <a:solidFill>
+                  <a:srgbClr val="000000"/>
+                </a:solidFill>
+                <a:effectLst/>
+                <a:latin typeface="Arial" panose="020B0604020202020204" pitchFamily="34" charset="0"/>
+              </a:rPr>
+              <a:t>Ensemble methods (GB, RF, XGB) clearly outperformed linear models.</a:t>
+            </a:r>
+          </a:p>
+          <a:p>
+            <a:pPr marL="0" marR="0" lvl="0" indent="0" algn="l" defTabSz="914400" rtl="0" eaLnBrk="0" fontAlgn="base" latinLnBrk="0" hangingPunct="0">
+              <a:lnSpc>
+                <a:spcPct val="100000"/>
+              </a:lnSpc>
+              <a:spcBef>
+                <a:spcPct val="0"/>
+              </a:spcBef>
+              <a:spcAft>
+                <a:spcPct val="0"/>
+              </a:spcAft>
+              <a:buClrTx/>
+              <a:buSzTx/>
+              <a:buFontTx/>
+              <a:buNone/>
+              <a:tabLst/>
+            </a:pPr>
+            <a:endParaRPr kumimoji="0" lang="en-US" altLang="en-US" sz="1800" b="0" i="0" u="none" strike="noStrike" cap="none" normalizeH="0" baseline="0" dirty="0">
+              <a:ln>
+                <a:noFill/>
+              </a:ln>
+              <a:solidFill>
+                <a:schemeClr val="tx1"/>
+              </a:solidFill>
+              <a:effectLst/>
+              <a:latin typeface="Arial" panose="020B0604020202020204" pitchFamily="34" charset="0"/>
+            </a:endParaRPr>
+          </a:p>
+        </p:txBody>
+      </p:sp>
+      <p:pic>
+        <p:nvPicPr>
+          <p:cNvPr id="13" name="Picture 12">
+            <a:extLst>
+              <a:ext uri="{FF2B5EF4-FFF2-40B4-BE49-F238E27FC236}">
+                <a16:creationId xmlns:a16="http://schemas.microsoft.com/office/drawing/2014/main" id="{2CA1B75B-D1F4-9B26-1E19-AAA0F8233141}"/>
+              </a:ext>
+            </a:extLst>
+          </p:cNvPr>
+          <p:cNvPicPr>
+            <a:picLocks noChangeAspect="1"/>
+          </p:cNvPicPr>
+          <p:nvPr/>
+        </p:nvPicPr>
+        <p:blipFill>
+          <a:blip r:embed="rId2"/>
+          <a:stretch>
+            <a:fillRect/>
+          </a:stretch>
+        </p:blipFill>
+        <p:spPr>
+          <a:xfrm>
+            <a:off x="9226794" y="4287349"/>
+            <a:ext cx="1422400" cy="1422400"/>
+          </a:xfrm>
+          <a:prstGeom prst="rect">
+            <a:avLst/>
+          </a:prstGeom>
+        </p:spPr>
+      </p:pic>
+      <p:sp>
+        <p:nvSpPr>
+          <p:cNvPr id="22" name="TextBox 21">
+            <a:extLst>
+              <a:ext uri="{FF2B5EF4-FFF2-40B4-BE49-F238E27FC236}">
+                <a16:creationId xmlns:a16="http://schemas.microsoft.com/office/drawing/2014/main" id="{A6CE905D-48B0-19C8-6F47-78D0D8505A50}"/>
+              </a:ext>
+            </a:extLst>
+          </p:cNvPr>
+          <p:cNvSpPr txBox="1"/>
+          <p:nvPr/>
+        </p:nvSpPr>
+        <p:spPr>
+          <a:xfrm>
+            <a:off x="8784771" y="4156948"/>
+            <a:ext cx="3553691" cy="369332"/>
+          </a:xfrm>
+          <a:prstGeom prst="rect">
+            <a:avLst/>
+          </a:prstGeom>
+          <a:noFill/>
+        </p:spPr>
+        <p:txBody>
+          <a:bodyPr wrap="square">
+            <a:spAutoFit/>
+          </a:bodyPr>
+          <a:lstStyle/>
+          <a:p>
+            <a:r>
+              <a:rPr kumimoji="0" lang="en-US" altLang="en-US" sz="1800" b="0" i="0" u="none" strike="noStrike" cap="none" normalizeH="0" baseline="0" dirty="0">
+                <a:ln>
+                  <a:noFill/>
+                </a:ln>
+                <a:solidFill>
+                  <a:srgbClr val="FFBF00"/>
+                </a:solidFill>
+                <a:effectLst/>
+                <a:latin typeface="Arial" panose="020B0604020202020204" pitchFamily="34" charset="0"/>
+              </a:rPr>
+              <a:t>Technical (i.e., </a:t>
+            </a:r>
+            <a:r>
+              <a:rPr kumimoji="0" lang="en-US" altLang="en-US" sz="1800" b="0" i="0" u="none" strike="noStrike" cap="none" normalizeH="0" baseline="0" dirty="0" err="1">
+                <a:ln>
+                  <a:noFill/>
+                </a:ln>
+                <a:solidFill>
+                  <a:srgbClr val="FFBF00"/>
+                </a:solidFill>
+                <a:effectLst/>
+                <a:latin typeface="Arial" panose="020B0604020202020204" pitchFamily="34" charset="0"/>
+              </a:rPr>
+              <a:t>regularisation</a:t>
+            </a:r>
+            <a:r>
+              <a:rPr kumimoji="0" lang="en-US" altLang="en-US" sz="1800" b="0" i="0" u="none" strike="noStrike" cap="none" normalizeH="0" baseline="0" dirty="0">
+                <a:ln>
+                  <a:noFill/>
+                </a:ln>
+                <a:solidFill>
+                  <a:srgbClr val="FFBF00"/>
+                </a:solidFill>
+                <a:effectLst/>
+                <a:latin typeface="Arial" panose="020B0604020202020204" pitchFamily="34" charset="0"/>
+              </a:rPr>
+              <a:t>)</a:t>
+            </a:r>
+            <a:endParaRPr lang="en-US" dirty="0">
+              <a:solidFill>
+                <a:srgbClr val="FFBF00"/>
+              </a:solidFill>
+            </a:endParaRPr>
+          </a:p>
+        </p:txBody>
+      </p:sp>
+      <p:sp>
+        <p:nvSpPr>
+          <p:cNvPr id="23" name="TextBox 22">
+            <a:extLst>
+              <a:ext uri="{FF2B5EF4-FFF2-40B4-BE49-F238E27FC236}">
+                <a16:creationId xmlns:a16="http://schemas.microsoft.com/office/drawing/2014/main" id="{E2B4E0E6-3135-15E6-C788-1468FE7879DD}"/>
+              </a:ext>
+            </a:extLst>
+          </p:cNvPr>
+          <p:cNvSpPr txBox="1"/>
+          <p:nvPr/>
+        </p:nvSpPr>
+        <p:spPr>
+          <a:xfrm>
+            <a:off x="10159005" y="5386030"/>
+            <a:ext cx="1864423" cy="923330"/>
+          </a:xfrm>
+          <a:prstGeom prst="rect">
+            <a:avLst/>
+          </a:prstGeom>
+          <a:noFill/>
+        </p:spPr>
+        <p:txBody>
+          <a:bodyPr wrap="square">
+            <a:spAutoFit/>
+          </a:bodyPr>
+          <a:lstStyle/>
+          <a:p>
+            <a:r>
+              <a:rPr kumimoji="0" lang="en-US" altLang="en-US" sz="1800" b="0" i="0" u="none" strike="noStrike" cap="none" normalizeH="0" baseline="0" dirty="0">
+                <a:ln>
+                  <a:noFill/>
+                </a:ln>
+                <a:solidFill>
+                  <a:srgbClr val="FC1C3B"/>
+                </a:solidFill>
+                <a:effectLst/>
+                <a:latin typeface="Arial" panose="020B0604020202020204" pitchFamily="34" charset="0"/>
+              </a:rPr>
+              <a:t>Statistical (i.e., non-linear patterns)</a:t>
+            </a:r>
+            <a:endParaRPr lang="en-US" dirty="0">
+              <a:solidFill>
+                <a:srgbClr val="FC1C3B"/>
+              </a:solidFill>
+            </a:endParaRPr>
+          </a:p>
+        </p:txBody>
+      </p:sp>
+      <p:sp>
+        <p:nvSpPr>
+          <p:cNvPr id="24" name="TextBox 23">
+            <a:extLst>
+              <a:ext uri="{FF2B5EF4-FFF2-40B4-BE49-F238E27FC236}">
+                <a16:creationId xmlns:a16="http://schemas.microsoft.com/office/drawing/2014/main" id="{B211880D-0998-DC6F-9D3C-C9789C2A6D05}"/>
+              </a:ext>
+            </a:extLst>
+          </p:cNvPr>
+          <p:cNvSpPr txBox="1"/>
+          <p:nvPr/>
+        </p:nvSpPr>
+        <p:spPr>
+          <a:xfrm>
+            <a:off x="8207657" y="5277404"/>
+            <a:ext cx="1643743" cy="369332"/>
+          </a:xfrm>
+          <a:prstGeom prst="rect">
+            <a:avLst/>
+          </a:prstGeom>
+          <a:noFill/>
+        </p:spPr>
+        <p:txBody>
+          <a:bodyPr wrap="square">
+            <a:spAutoFit/>
+          </a:bodyPr>
+          <a:lstStyle/>
+          <a:p>
+            <a:r>
+              <a:rPr kumimoji="0" lang="en-US" altLang="en-US" sz="1800" b="0" i="0" u="none" strike="noStrike" cap="none" normalizeH="0" baseline="0" dirty="0">
+                <a:ln>
+                  <a:noFill/>
+                </a:ln>
+                <a:solidFill>
+                  <a:srgbClr val="00B8C2"/>
+                </a:solidFill>
+                <a:effectLst/>
+                <a:latin typeface="Arial" panose="020B0604020202020204" pitchFamily="34" charset="0"/>
+              </a:rPr>
+              <a:t>Performance</a:t>
+            </a:r>
+            <a:endParaRPr lang="en-US" dirty="0">
+              <a:solidFill>
+                <a:srgbClr val="00B8C2"/>
+              </a:solidFill>
+            </a:endParaRPr>
+          </a:p>
+        </p:txBody>
+      </p:sp>
+    </p:spTree>
+    <p:extLst>
+      <p:ext uri="{BB962C8B-B14F-4D97-AF65-F5344CB8AC3E}">
+        <p14:creationId xmlns:p14="http://schemas.microsoft.com/office/powerpoint/2010/main" val="3032228306"/>
+      </p:ext>
+    </p:extLst>
+  </p:cSld>
+  <p:clrMapOvr>
+    <a:masterClrMapping/>
+  </p:clrMapOvr>
+</p:sld>
+</file>
+
+<file path=ppt/slides/slide7.xml><?xml version="1.0" encoding="utf-8"?>
+<p:sld xmlns:a="http://schemas.openxmlformats.org/drawingml/2006/main" xmlns:r="http://schemas.openxmlformats.org/officeDocument/2006/relationships" xmlns:p="http://schemas.openxmlformats.org/presentationml/2006/main">
+  <p:cSld>
+    <p:spTree>
+      <p:nvGrpSpPr>
+        <p:cNvPr id="1" name="">
+          <a:extLst>
+            <a:ext uri="{FF2B5EF4-FFF2-40B4-BE49-F238E27FC236}">
+              <a16:creationId xmlns:a16="http://schemas.microsoft.com/office/drawing/2014/main" id="{DD5899E9-4AFA-D378-B8DB-D68B84CD2954}"/>
+            </a:ext>
+          </a:extLst>
+        </p:cNvPr>
+        <p:cNvGrpSpPr/>
+        <p:nvPr/>
+      </p:nvGrpSpPr>
+      <p:grpSpPr>
+        <a:xfrm>
+          <a:off x="0" y="0"/>
+          <a:ext cx="0" cy="0"/>
+          <a:chOff x="0" y="0"/>
+          <a:chExt cx="0" cy="0"/>
+        </a:xfrm>
+      </p:grpSpPr>
+      <p:sp>
+        <p:nvSpPr>
+          <p:cNvPr id="2" name="Title 1">
+            <a:extLst>
+              <a:ext uri="{FF2B5EF4-FFF2-40B4-BE49-F238E27FC236}">
+                <a16:creationId xmlns:a16="http://schemas.microsoft.com/office/drawing/2014/main" id="{6522204D-C2F6-D349-BA76-455CF0A0F2BB}"/>
+              </a:ext>
+            </a:extLst>
+          </p:cNvPr>
+          <p:cNvSpPr>
+            <a:spLocks noGrp="1"/>
+          </p:cNvSpPr>
+          <p:nvPr>
+            <p:ph type="title"/>
+          </p:nvPr>
+        </p:nvSpPr>
+        <p:spPr/>
+        <p:txBody>
+          <a:bodyPr/>
+          <a:lstStyle/>
+          <a:p>
+            <a:r>
+              <a:rPr lang="en-US" dirty="0"/>
+              <a:t>Key Insights &amp; Learnings</a:t>
+            </a:r>
+          </a:p>
+        </p:txBody>
+      </p:sp>
+      <p:sp>
+        <p:nvSpPr>
+          <p:cNvPr id="4" name="Rectangle 1">
+            <a:extLst>
+              <a:ext uri="{FF2B5EF4-FFF2-40B4-BE49-F238E27FC236}">
+                <a16:creationId xmlns:a16="http://schemas.microsoft.com/office/drawing/2014/main" id="{D1760277-7DF6-B3B9-3782-07C6B4E52B8E}"/>
+              </a:ext>
+            </a:extLst>
+          </p:cNvPr>
+          <p:cNvSpPr>
+            <a:spLocks noGrp="1" noChangeArrowheads="1"/>
+          </p:cNvSpPr>
+          <p:nvPr>
+            <p:ph idx="1"/>
+          </p:nvPr>
+        </p:nvSpPr>
+        <p:spPr bwMode="auto">
+          <a:xfrm>
+            <a:off x="636926" y="1627469"/>
+            <a:ext cx="10653578" cy="2031325"/>
+          </a:xfrm>
+          <a:prstGeom prst="rect">
+            <a:avLst/>
+          </a:prstGeom>
+          <a:noFill/>
+          <a:ln>
+            <a:noFill/>
+          </a:ln>
+          <a:effectLst/>
+          <a:extLst>
+            <a:ext uri="{909E8E84-426E-40DD-AFC4-6F175D3DCCD1}">
+              <a14:hiddenFill xmlns:a14="http://schemas.microsoft.com/office/drawing/2010/main">
+                <a:solidFill>
+                  <a:schemeClr val="accent1"/>
+                </a:solidFill>
+              </a14:hiddenFill>
+            </a:ext>
+            <a:ext uri="{91240B29-F687-4F45-9708-019B960494DF}">
+              <a14:hiddenLine xmlns:a14="http://schemas.microsoft.com/office/drawing/2010/main" w="9525">
+                <a:solidFill>
+                  <a:schemeClr val="tx1"/>
+                </a:solidFill>
+                <a:miter lim="800000"/>
+                <a:headEnd/>
+                <a:tailEnd/>
+              </a14:hiddenLine>
+            </a:ext>
+            <a:ext uri="{AF507438-7753-43E0-B8FC-AC1667EBCBE1}">
+              <a14:hiddenEffects xmlns:a14="http://schemas.microsoft.com/office/drawing/2010/main">
+                <a:effectLst>
+                  <a:outerShdw dist="35921" dir="2700000" algn="ctr" rotWithShape="0">
+                    <a:schemeClr val="bg2"/>
+                  </a:outerShdw>
+                </a:effectLst>
+              </a14:hiddenEffects>
+            </a:ext>
+          </a:extLst>
+        </p:spPr>
+        <p:txBody>
+          <a:bodyPr vert="horz" wrap="square" lIns="91440" tIns="45720" rIns="91440" bIns="45720" numCol="1" anchor="ctr" anchorCtr="0" compatLnSpc="1">
+            <a:prstTxWarp prst="textNoShape">
+              <a:avLst/>
+            </a:prstTxWarp>
+            <a:spAutoFit/>
+          </a:bodyPr>
+          <a:lstStyle>
+            <a:lvl1pPr eaLnBrk="0" fontAlgn="base" hangingPunct="0">
+              <a:spcBef>
+                <a:spcPct val="0"/>
+              </a:spcBef>
+              <a:spcAft>
+                <a:spcPct val="0"/>
+              </a:spcAft>
+              <a:defRPr>
+                <a:solidFill>
+                  <a:schemeClr val="tx1"/>
+                </a:solidFill>
+                <a:latin typeface="Arial" panose="020B0604020202020204" pitchFamily="34" charset="0"/>
+              </a:defRPr>
+            </a:lvl1pPr>
+            <a:lvl2pPr eaLnBrk="0" fontAlgn="base" hangingPunct="0">
+              <a:spcBef>
+                <a:spcPct val="0"/>
+              </a:spcBef>
+              <a:spcAft>
+                <a:spcPct val="0"/>
+              </a:spcAft>
+              <a:defRPr>
+                <a:solidFill>
+                  <a:schemeClr val="tx1"/>
+                </a:solidFill>
+                <a:latin typeface="Arial" panose="020B0604020202020204" pitchFamily="34" charset="0"/>
+              </a:defRPr>
+            </a:lvl2pPr>
+            <a:lvl3pPr eaLnBrk="0" fontAlgn="base" hangingPunct="0">
+              <a:spcBef>
+                <a:spcPct val="0"/>
+              </a:spcBef>
+              <a:spcAft>
+                <a:spcPct val="0"/>
+              </a:spcAft>
+              <a:defRPr>
+                <a:solidFill>
+                  <a:schemeClr val="tx1"/>
+                </a:solidFill>
+                <a:latin typeface="Arial" panose="020B0604020202020204" pitchFamily="34" charset="0"/>
+              </a:defRPr>
+            </a:lvl3pPr>
+            <a:lvl4pPr eaLnBrk="0" fontAlgn="base" hangingPunct="0">
+              <a:spcBef>
+                <a:spcPct val="0"/>
+              </a:spcBef>
+              <a:spcAft>
+                <a:spcPct val="0"/>
+              </a:spcAft>
+              <a:defRPr>
+                <a:solidFill>
+                  <a:schemeClr val="tx1"/>
+                </a:solidFill>
+                <a:latin typeface="Arial" panose="020B0604020202020204" pitchFamily="34" charset="0"/>
+              </a:defRPr>
+            </a:lvl4pPr>
+            <a:lvl5pPr eaLnBrk="0" fontAlgn="base" hangingPunct="0">
+              <a:spcBef>
+                <a:spcPct val="0"/>
+              </a:spcBef>
+              <a:spcAft>
+                <a:spcPct val="0"/>
+              </a:spcAft>
+              <a:defRPr>
+                <a:solidFill>
+                  <a:schemeClr val="tx1"/>
+                </a:solidFill>
+                <a:latin typeface="Arial" panose="020B0604020202020204" pitchFamily="34" charset="0"/>
+              </a:defRPr>
+            </a:lvl5pPr>
+            <a:lvl6pPr eaLnBrk="0" fontAlgn="base" hangingPunct="0">
+              <a:spcBef>
+                <a:spcPct val="0"/>
+              </a:spcBef>
+              <a:spcAft>
+                <a:spcPct val="0"/>
+              </a:spcAft>
+              <a:defRPr>
+                <a:solidFill>
+                  <a:schemeClr val="tx1"/>
+                </a:solidFill>
+                <a:latin typeface="Arial" panose="020B0604020202020204" pitchFamily="34" charset="0"/>
+              </a:defRPr>
+            </a:lvl6pPr>
+            <a:lvl7pPr eaLnBrk="0" fontAlgn="base" hangingPunct="0">
+              <a:spcBef>
+                <a:spcPct val="0"/>
+              </a:spcBef>
+              <a:spcAft>
+                <a:spcPct val="0"/>
+              </a:spcAft>
+              <a:defRPr>
+                <a:solidFill>
+                  <a:schemeClr val="tx1"/>
+                </a:solidFill>
+                <a:latin typeface="Arial" panose="020B0604020202020204" pitchFamily="34" charset="0"/>
+              </a:defRPr>
+            </a:lvl7pPr>
+            <a:lvl8pPr eaLnBrk="0" fontAlgn="base" hangingPunct="0">
+              <a:spcBef>
+                <a:spcPct val="0"/>
+              </a:spcBef>
+              <a:spcAft>
+                <a:spcPct val="0"/>
+              </a:spcAft>
+              <a:defRPr>
+                <a:solidFill>
+                  <a:schemeClr val="tx1"/>
+                </a:solidFill>
+                <a:latin typeface="Arial" panose="020B0604020202020204" pitchFamily="34" charset="0"/>
+              </a:defRPr>
+            </a:lvl8pPr>
+            <a:lvl9pPr eaLnBrk="0" fontAlgn="base" hangingPunct="0">
+              <a:spcBef>
+                <a:spcPct val="0"/>
+              </a:spcBef>
+              <a:spcAft>
+                <a:spcPct val="0"/>
+              </a:spcAft>
+              <a:defRPr>
+                <a:solidFill>
+                  <a:schemeClr val="tx1"/>
+                </a:solidFill>
+                <a:latin typeface="Arial" panose="020B0604020202020204" pitchFamily="34" charset="0"/>
+              </a:defRPr>
+            </a:lvl9pPr>
+          </a:lstStyle>
+          <a:p>
+            <a:pPr marL="342900" lvl="0" indent="-342900">
+              <a:lnSpc>
+                <a:spcPct val="100000"/>
+              </a:lnSpc>
+              <a:buFont typeface="+mj-lt"/>
+              <a:buAutoNum type="arabicPeriod"/>
+            </a:pPr>
+            <a:r>
+              <a:rPr lang="en-US" altLang="en-US" sz="1800" dirty="0">
+                <a:solidFill>
+                  <a:srgbClr val="000000"/>
+                </a:solidFill>
+              </a:rPr>
+              <a:t> Data cleaning and preprocessing are critical for model stability.</a:t>
+            </a:r>
+          </a:p>
+          <a:p>
+            <a:pPr marL="342900" lvl="0" indent="-342900">
+              <a:lnSpc>
+                <a:spcPct val="100000"/>
+              </a:lnSpc>
+              <a:buFont typeface="+mj-lt"/>
+              <a:buAutoNum type="arabicPeriod"/>
+            </a:pPr>
+            <a:endParaRPr lang="en-US" altLang="en-US" sz="1800" dirty="0">
+              <a:solidFill>
+                <a:srgbClr val="000000"/>
+              </a:solidFill>
+            </a:endParaRPr>
+          </a:p>
+          <a:p>
+            <a:pPr marL="342900" lvl="0" indent="-342900">
+              <a:lnSpc>
+                <a:spcPct val="100000"/>
+              </a:lnSpc>
+              <a:buFont typeface="+mj-lt"/>
+              <a:buAutoNum type="arabicPeriod"/>
+            </a:pPr>
+            <a:r>
+              <a:rPr lang="en-US" altLang="en-US" sz="1800" dirty="0">
+                <a:solidFill>
+                  <a:srgbClr val="000000"/>
+                </a:solidFill>
+              </a:rPr>
+              <a:t> Ensemble models (especially </a:t>
+            </a:r>
+            <a:r>
+              <a:rPr lang="en-US" altLang="en-US" sz="1800" b="1" dirty="0" err="1">
+                <a:solidFill>
+                  <a:srgbClr val="000000"/>
+                </a:solidFill>
+              </a:rPr>
+              <a:t>XGBoost</a:t>
+            </a:r>
+            <a:r>
+              <a:rPr lang="en-US" altLang="en-US" sz="1800" dirty="0">
+                <a:solidFill>
+                  <a:srgbClr val="000000"/>
+                </a:solidFill>
+              </a:rPr>
+              <a:t>) </a:t>
+            </a:r>
+            <a:r>
+              <a:rPr lang="en-US" altLang="en-US" sz="1800" dirty="0" err="1">
+                <a:solidFill>
+                  <a:srgbClr val="000000"/>
+                </a:solidFill>
+              </a:rPr>
+              <a:t>generalise</a:t>
+            </a:r>
+            <a:r>
+              <a:rPr lang="en-US" altLang="en-US" sz="1800" dirty="0">
+                <a:solidFill>
+                  <a:srgbClr val="000000"/>
+                </a:solidFill>
+              </a:rPr>
+              <a:t> best.</a:t>
+            </a:r>
+          </a:p>
+          <a:p>
+            <a:pPr marL="342900" lvl="0" indent="-342900">
+              <a:lnSpc>
+                <a:spcPct val="100000"/>
+              </a:lnSpc>
+              <a:buFont typeface="+mj-lt"/>
+              <a:buAutoNum type="arabicPeriod"/>
+            </a:pPr>
+            <a:endParaRPr lang="en-US" altLang="en-US" sz="1800" dirty="0">
+              <a:solidFill>
+                <a:srgbClr val="000000"/>
+              </a:solidFill>
+            </a:endParaRPr>
+          </a:p>
+          <a:p>
+            <a:pPr marL="342900" lvl="0" indent="-342900">
+              <a:lnSpc>
+                <a:spcPct val="100000"/>
+              </a:lnSpc>
+              <a:buFont typeface="+mj-lt"/>
+              <a:buAutoNum type="arabicPeriod"/>
+            </a:pPr>
+            <a:r>
+              <a:rPr lang="en-US" altLang="en-US" sz="1800" dirty="0">
+                <a:solidFill>
+                  <a:srgbClr val="000000"/>
+                </a:solidFill>
+              </a:rPr>
+              <a:t> Feature importance highlights </a:t>
+            </a:r>
+            <a:r>
+              <a:rPr lang="en-US" altLang="en-US" sz="1800" b="1" dirty="0">
+                <a:solidFill>
+                  <a:srgbClr val="000000"/>
+                </a:solidFill>
+              </a:rPr>
+              <a:t>age</a:t>
+            </a:r>
+            <a:r>
+              <a:rPr lang="en-US" altLang="en-US" sz="1800" dirty="0">
+                <a:solidFill>
+                  <a:srgbClr val="000000"/>
+                </a:solidFill>
+              </a:rPr>
+              <a:t>, </a:t>
+            </a:r>
+            <a:r>
+              <a:rPr lang="en-US" altLang="en-US" sz="1800" b="1" dirty="0">
+                <a:solidFill>
+                  <a:srgbClr val="000000"/>
+                </a:solidFill>
+              </a:rPr>
+              <a:t>stock dividends</a:t>
+            </a:r>
+            <a:r>
+              <a:rPr lang="en-US" altLang="en-US" sz="1800" dirty="0">
+                <a:solidFill>
+                  <a:srgbClr val="000000"/>
+                </a:solidFill>
+              </a:rPr>
+              <a:t>, and </a:t>
+            </a:r>
+            <a:r>
+              <a:rPr lang="en-US" altLang="en-US" sz="1800" b="1" dirty="0">
+                <a:solidFill>
+                  <a:srgbClr val="000000"/>
+                </a:solidFill>
+              </a:rPr>
+              <a:t>capital gains</a:t>
+            </a:r>
+            <a:r>
+              <a:rPr lang="en-US" altLang="en-US" sz="1800" dirty="0">
+                <a:solidFill>
+                  <a:srgbClr val="000000"/>
+                </a:solidFill>
+              </a:rPr>
+              <a:t> as top predictors.</a:t>
+            </a:r>
+          </a:p>
+          <a:p>
+            <a:pPr marL="342900" lvl="0" indent="-342900">
+              <a:lnSpc>
+                <a:spcPct val="100000"/>
+              </a:lnSpc>
+              <a:buFont typeface="+mj-lt"/>
+              <a:buAutoNum type="arabicPeriod"/>
+            </a:pPr>
+            <a:endParaRPr lang="en-US" altLang="en-US" sz="1800" dirty="0">
+              <a:solidFill>
+                <a:srgbClr val="000000"/>
+              </a:solidFill>
+            </a:endParaRPr>
+          </a:p>
+          <a:p>
+            <a:pPr marL="342900" lvl="0" indent="-342900">
+              <a:lnSpc>
+                <a:spcPct val="100000"/>
+              </a:lnSpc>
+              <a:buFont typeface="+mj-lt"/>
+              <a:buAutoNum type="arabicPeriod"/>
+            </a:pPr>
+            <a:r>
+              <a:rPr lang="en-US" altLang="en-US" sz="1800" dirty="0">
+                <a:solidFill>
+                  <a:srgbClr val="000000"/>
+                </a:solidFill>
+              </a:rPr>
+              <a:t> Automated pipeline ensures reproducibility and scalability.</a:t>
+            </a:r>
+            <a:endParaRPr lang="en-US" altLang="en-US" sz="1800" dirty="0"/>
+          </a:p>
+        </p:txBody>
+      </p:sp>
+      <p:pic>
+        <p:nvPicPr>
+          <p:cNvPr id="7" name="Picture 6">
+            <a:extLst>
+              <a:ext uri="{FF2B5EF4-FFF2-40B4-BE49-F238E27FC236}">
+                <a16:creationId xmlns:a16="http://schemas.microsoft.com/office/drawing/2014/main" id="{A30A5492-AD93-A1B8-FDAE-9DE282E71412}"/>
+              </a:ext>
+            </a:extLst>
+          </p:cNvPr>
+          <p:cNvPicPr>
+            <a:picLocks noChangeAspect="1"/>
+          </p:cNvPicPr>
+          <p:nvPr/>
+        </p:nvPicPr>
+        <p:blipFill>
+          <a:blip r:embed="rId2"/>
+          <a:stretch>
+            <a:fillRect/>
+          </a:stretch>
+        </p:blipFill>
+        <p:spPr>
+          <a:xfrm>
+            <a:off x="6696529" y="3658794"/>
+            <a:ext cx="5250048" cy="3088264"/>
+          </a:xfrm>
+          <a:prstGeom prst="rect">
+            <a:avLst/>
+          </a:prstGeom>
+        </p:spPr>
+      </p:pic>
+      <p:pic>
+        <p:nvPicPr>
+          <p:cNvPr id="11" name="Picture 10">
+            <a:extLst>
+              <a:ext uri="{FF2B5EF4-FFF2-40B4-BE49-F238E27FC236}">
+                <a16:creationId xmlns:a16="http://schemas.microsoft.com/office/drawing/2014/main" id="{68C4BE0E-EC6C-0162-3C68-40C62D79431E}"/>
+              </a:ext>
+            </a:extLst>
+          </p:cNvPr>
+          <p:cNvPicPr>
+            <a:picLocks noChangeAspect="1"/>
+          </p:cNvPicPr>
+          <p:nvPr/>
+        </p:nvPicPr>
+        <p:blipFill>
+          <a:blip r:embed="rId3"/>
+          <a:stretch>
+            <a:fillRect/>
+          </a:stretch>
+        </p:blipFill>
+        <p:spPr>
+          <a:xfrm>
+            <a:off x="4014798" y="3932926"/>
+            <a:ext cx="1270000" cy="1270000"/>
+          </a:xfrm>
+          <a:prstGeom prst="rect">
+            <a:avLst/>
+          </a:prstGeom>
+        </p:spPr>
+      </p:pic>
+      <p:pic>
+        <p:nvPicPr>
+          <p:cNvPr id="13" name="Picture 12">
+            <a:extLst>
+              <a:ext uri="{FF2B5EF4-FFF2-40B4-BE49-F238E27FC236}">
+                <a16:creationId xmlns:a16="http://schemas.microsoft.com/office/drawing/2014/main" id="{9CC42F90-B4D9-14C2-B610-332BB0B72181}"/>
+              </a:ext>
+            </a:extLst>
+          </p:cNvPr>
+          <p:cNvPicPr>
+            <a:picLocks noChangeAspect="1"/>
+          </p:cNvPicPr>
+          <p:nvPr/>
+        </p:nvPicPr>
+        <p:blipFill>
+          <a:blip r:embed="rId4"/>
+          <a:stretch>
+            <a:fillRect/>
+          </a:stretch>
+        </p:blipFill>
+        <p:spPr>
+          <a:xfrm>
+            <a:off x="1474189" y="4293794"/>
+            <a:ext cx="1655071" cy="1655071"/>
+          </a:xfrm>
+          <a:prstGeom prst="rect">
+            <a:avLst/>
+          </a:prstGeom>
+        </p:spPr>
+      </p:pic>
+      <p:pic>
+        <p:nvPicPr>
+          <p:cNvPr id="22" name="Graphic 21" descr="Arrow Right with solid fill">
+            <a:extLst>
+              <a:ext uri="{FF2B5EF4-FFF2-40B4-BE49-F238E27FC236}">
+                <a16:creationId xmlns:a16="http://schemas.microsoft.com/office/drawing/2014/main" id="{B4989319-A31F-273C-6700-42D91EA3F0BE}"/>
+              </a:ext>
+            </a:extLst>
+          </p:cNvPr>
+          <p:cNvPicPr>
+            <a:picLocks noChangeAspect="1"/>
+          </p:cNvPicPr>
+          <p:nvPr/>
+        </p:nvPicPr>
+        <p:blipFill>
+          <a:blip r:embed="rId5">
+            <a:extLst>
+              <a:ext uri="{96DAC541-7B7A-43D3-8B79-37D633B846F1}">
+                <asvg:svgBlip xmlns:asvg="http://schemas.microsoft.com/office/drawing/2016/SVG/main" r:embed="rId6"/>
+              </a:ext>
+            </a:extLst>
+          </a:blip>
+          <a:stretch>
+            <a:fillRect/>
+          </a:stretch>
+        </p:blipFill>
+        <p:spPr>
+          <a:xfrm rot="5400000">
+            <a:off x="1416462" y="3828390"/>
+            <a:ext cx="548466" cy="548466"/>
+          </a:xfrm>
+          <a:prstGeom prst="rect">
+            <a:avLst/>
+          </a:prstGeom>
+        </p:spPr>
+      </p:pic>
+      <p:pic>
+        <p:nvPicPr>
+          <p:cNvPr id="23" name="Graphic 22" descr="Arrow Right with solid fill">
+            <a:extLst>
+              <a:ext uri="{FF2B5EF4-FFF2-40B4-BE49-F238E27FC236}">
+                <a16:creationId xmlns:a16="http://schemas.microsoft.com/office/drawing/2014/main" id="{CA5179A1-1862-7101-40E9-082E18CB4949}"/>
+              </a:ext>
+            </a:extLst>
+          </p:cNvPr>
+          <p:cNvPicPr>
+            <a:picLocks noChangeAspect="1"/>
+          </p:cNvPicPr>
+          <p:nvPr/>
+        </p:nvPicPr>
+        <p:blipFill>
+          <a:blip r:embed="rId5">
+            <a:extLst>
+              <a:ext uri="{96DAC541-7B7A-43D3-8B79-37D633B846F1}">
+                <asvg:svgBlip xmlns:asvg="http://schemas.microsoft.com/office/drawing/2016/SVG/main" r:embed="rId6"/>
+              </a:ext>
+            </a:extLst>
+          </a:blip>
+          <a:stretch>
+            <a:fillRect/>
+          </a:stretch>
+        </p:blipFill>
+        <p:spPr>
+          <a:xfrm rot="5400000">
+            <a:off x="2638521" y="5865803"/>
+            <a:ext cx="548466" cy="548466"/>
+          </a:xfrm>
+          <a:prstGeom prst="rect">
+            <a:avLst/>
+          </a:prstGeom>
+        </p:spPr>
+      </p:pic>
+      <p:pic>
+        <p:nvPicPr>
+          <p:cNvPr id="24" name="Picture 23">
+            <a:extLst>
+              <a:ext uri="{FF2B5EF4-FFF2-40B4-BE49-F238E27FC236}">
+                <a16:creationId xmlns:a16="http://schemas.microsoft.com/office/drawing/2014/main" id="{5EE28590-1E26-E837-AB6D-79384F28C8FD}"/>
+              </a:ext>
+            </a:extLst>
+          </p:cNvPr>
+          <p:cNvPicPr>
+            <a:picLocks noChangeAspect="1"/>
+          </p:cNvPicPr>
+          <p:nvPr/>
+        </p:nvPicPr>
+        <p:blipFill>
+          <a:blip r:embed="rId7"/>
+          <a:stretch>
+            <a:fillRect/>
+          </a:stretch>
+        </p:blipFill>
+        <p:spPr>
+          <a:xfrm flipH="1">
+            <a:off x="3129260" y="4214418"/>
+            <a:ext cx="1179780" cy="1179780"/>
+          </a:xfrm>
+          <a:prstGeom prst="rect">
+            <a:avLst/>
+          </a:prstGeom>
+        </p:spPr>
+      </p:pic>
+      <p:pic>
+        <p:nvPicPr>
+          <p:cNvPr id="25" name="Picture 24">
+            <a:extLst>
+              <a:ext uri="{FF2B5EF4-FFF2-40B4-BE49-F238E27FC236}">
+                <a16:creationId xmlns:a16="http://schemas.microsoft.com/office/drawing/2014/main" id="{6E7842AD-36B4-D79B-D242-A5DAA2F76E85}"/>
+              </a:ext>
+            </a:extLst>
+          </p:cNvPr>
+          <p:cNvPicPr>
+            <a:picLocks noChangeAspect="1"/>
+          </p:cNvPicPr>
+          <p:nvPr/>
+        </p:nvPicPr>
+        <p:blipFill>
+          <a:blip r:embed="rId8"/>
+          <a:stretch>
+            <a:fillRect/>
+          </a:stretch>
+        </p:blipFill>
+        <p:spPr>
+          <a:xfrm>
+            <a:off x="1443296" y="3849965"/>
+            <a:ext cx="548466" cy="548466"/>
+          </a:xfrm>
+          <a:prstGeom prst="rect">
+            <a:avLst/>
+          </a:prstGeom>
+        </p:spPr>
+      </p:pic>
+      <p:pic>
+        <p:nvPicPr>
+          <p:cNvPr id="26" name="Picture 25">
+            <a:extLst>
+              <a:ext uri="{FF2B5EF4-FFF2-40B4-BE49-F238E27FC236}">
+                <a16:creationId xmlns:a16="http://schemas.microsoft.com/office/drawing/2014/main" id="{317ED810-3F1D-0BB5-B3AF-6913818BD59C}"/>
+              </a:ext>
+            </a:extLst>
+          </p:cNvPr>
+          <p:cNvPicPr>
+            <a:picLocks noChangeAspect="1"/>
+          </p:cNvPicPr>
+          <p:nvPr/>
+        </p:nvPicPr>
+        <p:blipFill>
+          <a:blip r:embed="rId9"/>
+          <a:stretch>
+            <a:fillRect/>
+          </a:stretch>
+        </p:blipFill>
+        <p:spPr>
+          <a:xfrm>
+            <a:off x="3045310" y="6028240"/>
+            <a:ext cx="728703" cy="728703"/>
+          </a:xfrm>
+          <a:prstGeom prst="rect">
+            <a:avLst/>
+          </a:prstGeom>
+        </p:spPr>
+      </p:pic>
+    </p:spTree>
+    <p:extLst>
+      <p:ext uri="{BB962C8B-B14F-4D97-AF65-F5344CB8AC3E}">
+        <p14:creationId xmlns:p14="http://schemas.microsoft.com/office/powerpoint/2010/main" val="3407409559"/>
+      </p:ext>
+    </p:extLst>
+  </p:cSld>
+  <p:clrMapOvr>
+    <a:masterClrMapping/>
+  </p:clrMapOvr>
+</p:sld>
+</file>
+
+<file path=ppt/slides/slide8.xml><?xml version="1.0" encoding="utf-8"?>
+<p:sld xmlns:a="http://schemas.openxmlformats.org/drawingml/2006/main" xmlns:r="http://schemas.openxmlformats.org/officeDocument/2006/relationships" xmlns:p="http://schemas.openxmlformats.org/presentationml/2006/main">
+  <p:cSld>
+    <p:spTree>
+      <p:nvGrpSpPr>
+        <p:cNvPr id="1" name="">
+          <a:extLst>
+            <a:ext uri="{FF2B5EF4-FFF2-40B4-BE49-F238E27FC236}">
+              <a16:creationId xmlns:a16="http://schemas.microsoft.com/office/drawing/2014/main" id="{54B60BF9-D78F-548B-A14D-8FC861686F41}"/>
+            </a:ext>
+          </a:extLst>
+        </p:cNvPr>
+        <p:cNvGrpSpPr/>
+        <p:nvPr/>
+      </p:nvGrpSpPr>
+      <p:grpSpPr>
+        <a:xfrm>
+          <a:off x="0" y="0"/>
+          <a:ext cx="0" cy="0"/>
+          <a:chOff x="0" y="0"/>
+          <a:chExt cx="0" cy="0"/>
+        </a:xfrm>
+      </p:grpSpPr>
+      <p:sp>
+        <p:nvSpPr>
+          <p:cNvPr id="2" name="Title 1">
+            <a:extLst>
+              <a:ext uri="{FF2B5EF4-FFF2-40B4-BE49-F238E27FC236}">
+                <a16:creationId xmlns:a16="http://schemas.microsoft.com/office/drawing/2014/main" id="{8DB86027-A7EA-CF36-FD70-4C7CA022A30E}"/>
+              </a:ext>
+            </a:extLst>
+          </p:cNvPr>
+          <p:cNvSpPr>
+            <a:spLocks noGrp="1"/>
+          </p:cNvSpPr>
+          <p:nvPr>
+            <p:ph type="title"/>
+          </p:nvPr>
+        </p:nvSpPr>
+        <p:spPr/>
+        <p:txBody>
+          <a:bodyPr/>
+          <a:lstStyle/>
+          <a:p>
+            <a:r>
+              <a:rPr lang="en-US" dirty="0"/>
+              <a:t>Next Steps and Future Improvements</a:t>
+            </a:r>
+          </a:p>
+        </p:txBody>
+      </p:sp>
+      <p:sp>
+        <p:nvSpPr>
+          <p:cNvPr id="4" name="Rectangle 1">
+            <a:extLst>
+              <a:ext uri="{FF2B5EF4-FFF2-40B4-BE49-F238E27FC236}">
+                <a16:creationId xmlns:a16="http://schemas.microsoft.com/office/drawing/2014/main" id="{C35BE6C9-A74C-1A42-9E99-40A00FD25A89}"/>
+              </a:ext>
+            </a:extLst>
+          </p:cNvPr>
+          <p:cNvSpPr>
+            <a:spLocks noGrp="1" noChangeArrowheads="1"/>
+          </p:cNvSpPr>
+          <p:nvPr>
+            <p:ph idx="1"/>
+          </p:nvPr>
+        </p:nvSpPr>
+        <p:spPr bwMode="auto">
+          <a:xfrm>
+            <a:off x="612648" y="1680898"/>
+            <a:ext cx="10653578" cy="2585323"/>
+          </a:xfrm>
+          <a:prstGeom prst="rect">
+            <a:avLst/>
+          </a:prstGeom>
+          <a:noFill/>
+          <a:ln>
+            <a:noFill/>
+          </a:ln>
+          <a:effectLst/>
+          <a:extLst>
+            <a:ext uri="{909E8E84-426E-40DD-AFC4-6F175D3DCCD1}">
+              <a14:hiddenFill xmlns:a14="http://schemas.microsoft.com/office/drawing/2010/main">
+                <a:solidFill>
+                  <a:schemeClr val="accent1"/>
+                </a:solidFill>
+              </a14:hiddenFill>
+            </a:ext>
+            <a:ext uri="{91240B29-F687-4F45-9708-019B960494DF}">
+              <a14:hiddenLine xmlns:a14="http://schemas.microsoft.com/office/drawing/2010/main" w="9525">
+                <a:solidFill>
+                  <a:schemeClr val="tx1"/>
+                </a:solidFill>
+                <a:miter lim="800000"/>
+                <a:headEnd/>
+                <a:tailEnd/>
+              </a14:hiddenLine>
+            </a:ext>
+            <a:ext uri="{AF507438-7753-43E0-B8FC-AC1667EBCBE1}">
+              <a14:hiddenEffects xmlns:a14="http://schemas.microsoft.com/office/drawing/2010/main">
+                <a:effectLst>
+                  <a:outerShdw dist="35921" dir="2700000" algn="ctr" rotWithShape="0">
+                    <a:schemeClr val="bg2"/>
+                  </a:outerShdw>
+                </a:effectLst>
+              </a14:hiddenEffects>
+            </a:ext>
+          </a:extLst>
+        </p:spPr>
+        <p:txBody>
+          <a:bodyPr vert="horz" wrap="square" lIns="91440" tIns="45720" rIns="91440" bIns="45720" numCol="1" anchor="ctr" anchorCtr="0" compatLnSpc="1">
+            <a:prstTxWarp prst="textNoShape">
+              <a:avLst/>
+            </a:prstTxWarp>
+            <a:spAutoFit/>
+          </a:bodyPr>
+          <a:lstStyle>
+            <a:lvl1pPr eaLnBrk="0" fontAlgn="base" hangingPunct="0">
+              <a:spcBef>
+                <a:spcPct val="0"/>
+              </a:spcBef>
+              <a:spcAft>
+                <a:spcPct val="0"/>
+              </a:spcAft>
+              <a:defRPr>
+                <a:solidFill>
+                  <a:schemeClr val="tx1"/>
+                </a:solidFill>
+                <a:latin typeface="Arial" panose="020B0604020202020204" pitchFamily="34" charset="0"/>
+              </a:defRPr>
+            </a:lvl1pPr>
+            <a:lvl2pPr eaLnBrk="0" fontAlgn="base" hangingPunct="0">
+              <a:spcBef>
+                <a:spcPct val="0"/>
+              </a:spcBef>
+              <a:spcAft>
+                <a:spcPct val="0"/>
+              </a:spcAft>
+              <a:defRPr>
+                <a:solidFill>
+                  <a:schemeClr val="tx1"/>
+                </a:solidFill>
+                <a:latin typeface="Arial" panose="020B0604020202020204" pitchFamily="34" charset="0"/>
+              </a:defRPr>
+            </a:lvl2pPr>
+            <a:lvl3pPr eaLnBrk="0" fontAlgn="base" hangingPunct="0">
+              <a:spcBef>
+                <a:spcPct val="0"/>
+              </a:spcBef>
+              <a:spcAft>
+                <a:spcPct val="0"/>
+              </a:spcAft>
+              <a:defRPr>
+                <a:solidFill>
+                  <a:schemeClr val="tx1"/>
+                </a:solidFill>
+                <a:latin typeface="Arial" panose="020B0604020202020204" pitchFamily="34" charset="0"/>
+              </a:defRPr>
+            </a:lvl3pPr>
+            <a:lvl4pPr eaLnBrk="0" fontAlgn="base" hangingPunct="0">
+              <a:spcBef>
+                <a:spcPct val="0"/>
+              </a:spcBef>
+              <a:spcAft>
+                <a:spcPct val="0"/>
+              </a:spcAft>
+              <a:defRPr>
+                <a:solidFill>
+                  <a:schemeClr val="tx1"/>
+                </a:solidFill>
+                <a:latin typeface="Arial" panose="020B0604020202020204" pitchFamily="34" charset="0"/>
+              </a:defRPr>
+            </a:lvl4pPr>
+            <a:lvl5pPr eaLnBrk="0" fontAlgn="base" hangingPunct="0">
+              <a:spcBef>
+                <a:spcPct val="0"/>
+              </a:spcBef>
+              <a:spcAft>
+                <a:spcPct val="0"/>
+              </a:spcAft>
+              <a:defRPr>
+                <a:solidFill>
+                  <a:schemeClr val="tx1"/>
+                </a:solidFill>
+                <a:latin typeface="Arial" panose="020B0604020202020204" pitchFamily="34" charset="0"/>
+              </a:defRPr>
+            </a:lvl5pPr>
+            <a:lvl6pPr eaLnBrk="0" fontAlgn="base" hangingPunct="0">
+              <a:spcBef>
+                <a:spcPct val="0"/>
+              </a:spcBef>
+              <a:spcAft>
+                <a:spcPct val="0"/>
+              </a:spcAft>
+              <a:defRPr>
+                <a:solidFill>
+                  <a:schemeClr val="tx1"/>
+                </a:solidFill>
+                <a:latin typeface="Arial" panose="020B0604020202020204" pitchFamily="34" charset="0"/>
+              </a:defRPr>
+            </a:lvl6pPr>
+            <a:lvl7pPr eaLnBrk="0" fontAlgn="base" hangingPunct="0">
+              <a:spcBef>
+                <a:spcPct val="0"/>
+              </a:spcBef>
+              <a:spcAft>
+                <a:spcPct val="0"/>
+              </a:spcAft>
+              <a:defRPr>
+                <a:solidFill>
+                  <a:schemeClr val="tx1"/>
+                </a:solidFill>
+                <a:latin typeface="Arial" panose="020B0604020202020204" pitchFamily="34" charset="0"/>
+              </a:defRPr>
+            </a:lvl7pPr>
+            <a:lvl8pPr eaLnBrk="0" fontAlgn="base" hangingPunct="0">
+              <a:spcBef>
+                <a:spcPct val="0"/>
+              </a:spcBef>
+              <a:spcAft>
+                <a:spcPct val="0"/>
+              </a:spcAft>
+              <a:defRPr>
+                <a:solidFill>
+                  <a:schemeClr val="tx1"/>
+                </a:solidFill>
+                <a:latin typeface="Arial" panose="020B0604020202020204" pitchFamily="34" charset="0"/>
+              </a:defRPr>
+            </a:lvl8pPr>
+            <a:lvl9pPr eaLnBrk="0" fontAlgn="base" hangingPunct="0">
+              <a:spcBef>
+                <a:spcPct val="0"/>
+              </a:spcBef>
+              <a:spcAft>
+                <a:spcPct val="0"/>
+              </a:spcAft>
+              <a:defRPr>
+                <a:solidFill>
+                  <a:schemeClr val="tx1"/>
+                </a:solidFill>
+                <a:latin typeface="Arial" panose="020B0604020202020204" pitchFamily="34" charset="0"/>
+              </a:defRPr>
+            </a:lvl9pPr>
+          </a:lstStyle>
+          <a:p>
+            <a:pPr marL="342900" lvl="0" indent="-342900">
+              <a:lnSpc>
+                <a:spcPct val="100000"/>
+              </a:lnSpc>
+              <a:buFont typeface="+mj-lt"/>
+              <a:buAutoNum type="arabicPeriod"/>
+            </a:pPr>
+            <a:r>
+              <a:rPr lang="en-US" altLang="en-US" sz="1800" dirty="0">
+                <a:solidFill>
+                  <a:srgbClr val="000000"/>
+                </a:solidFill>
+              </a:rPr>
+              <a:t> Add feature selection or dimensionality reduction (PCA).</a:t>
+            </a:r>
+          </a:p>
+          <a:p>
+            <a:pPr marL="342900" lvl="0" indent="-342900">
+              <a:lnSpc>
+                <a:spcPct val="100000"/>
+              </a:lnSpc>
+              <a:buFont typeface="+mj-lt"/>
+              <a:buAutoNum type="arabicPeriod"/>
+            </a:pPr>
+            <a:endParaRPr lang="en-US" altLang="en-US" sz="1800" dirty="0">
+              <a:solidFill>
+                <a:srgbClr val="000000"/>
+              </a:solidFill>
+            </a:endParaRPr>
+          </a:p>
+          <a:p>
+            <a:pPr marL="342900" lvl="0" indent="-342900">
+              <a:lnSpc>
+                <a:spcPct val="100000"/>
+              </a:lnSpc>
+              <a:buFont typeface="+mj-lt"/>
+              <a:buAutoNum type="arabicPeriod"/>
+            </a:pPr>
+            <a:r>
+              <a:rPr lang="en-US" altLang="en-US" sz="1800" dirty="0">
+                <a:solidFill>
+                  <a:srgbClr val="000000"/>
+                </a:solidFill>
+              </a:rPr>
+              <a:t> Try advanced ensembles (e.g., Stacking or </a:t>
+            </a:r>
+            <a:r>
+              <a:rPr lang="en-US" altLang="en-US" sz="1800" dirty="0" err="1">
+                <a:solidFill>
+                  <a:srgbClr val="000000"/>
+                </a:solidFill>
+              </a:rPr>
+              <a:t>LightGBM</a:t>
+            </a:r>
+            <a:r>
+              <a:rPr lang="en-US" altLang="en-US" sz="1800" dirty="0">
+                <a:solidFill>
+                  <a:srgbClr val="000000"/>
+                </a:solidFill>
+              </a:rPr>
+              <a:t>).</a:t>
+            </a:r>
+          </a:p>
+          <a:p>
+            <a:pPr marL="342900" lvl="0" indent="-342900">
+              <a:lnSpc>
+                <a:spcPct val="100000"/>
+              </a:lnSpc>
+              <a:buFont typeface="+mj-lt"/>
+              <a:buAutoNum type="arabicPeriod"/>
+            </a:pPr>
+            <a:endParaRPr lang="en-US" altLang="en-US" sz="1800" dirty="0">
+              <a:solidFill>
+                <a:srgbClr val="000000"/>
+              </a:solidFill>
+            </a:endParaRPr>
+          </a:p>
+          <a:p>
+            <a:pPr marL="342900" lvl="0" indent="-342900">
+              <a:lnSpc>
+                <a:spcPct val="100000"/>
+              </a:lnSpc>
+              <a:buFont typeface="+mj-lt"/>
+              <a:buAutoNum type="arabicPeriod"/>
+            </a:pPr>
+            <a:r>
+              <a:rPr lang="en-US" altLang="en-US" sz="1800" dirty="0">
+                <a:solidFill>
+                  <a:srgbClr val="000000"/>
+                </a:solidFill>
+              </a:rPr>
+              <a:t> Include external socioeconomic features (e.g., region-level data).</a:t>
+            </a:r>
+          </a:p>
+          <a:p>
+            <a:pPr marL="342900" lvl="0" indent="-342900">
+              <a:lnSpc>
+                <a:spcPct val="100000"/>
+              </a:lnSpc>
+              <a:buFont typeface="+mj-lt"/>
+              <a:buAutoNum type="arabicPeriod"/>
+            </a:pPr>
+            <a:endParaRPr lang="en-US" altLang="en-US" sz="1800" dirty="0">
+              <a:solidFill>
+                <a:srgbClr val="000000"/>
+              </a:solidFill>
+            </a:endParaRPr>
+          </a:p>
+          <a:p>
+            <a:pPr marL="342900" lvl="0" indent="-342900">
+              <a:lnSpc>
+                <a:spcPct val="100000"/>
+              </a:lnSpc>
+              <a:buFont typeface="+mj-lt"/>
+              <a:buAutoNum type="arabicPeriod"/>
+            </a:pPr>
+            <a:r>
+              <a:rPr lang="en-US" altLang="en-US" sz="1800" dirty="0">
+                <a:solidFill>
+                  <a:srgbClr val="000000"/>
+                </a:solidFill>
+              </a:rPr>
+              <a:t> </a:t>
+            </a:r>
+            <a:r>
+              <a:rPr lang="en-US" altLang="en-US" sz="1800" dirty="0" err="1">
+                <a:solidFill>
+                  <a:srgbClr val="000000"/>
+                </a:solidFill>
+              </a:rPr>
+              <a:t>Optimise</a:t>
+            </a:r>
+            <a:r>
+              <a:rPr lang="en-US" altLang="en-US" sz="1800" dirty="0">
+                <a:solidFill>
+                  <a:srgbClr val="000000"/>
+                </a:solidFill>
+              </a:rPr>
+              <a:t> runtime with smaller grids or </a:t>
+            </a:r>
+            <a:r>
+              <a:rPr lang="en-US" altLang="en-US" sz="1800" dirty="0" err="1">
+                <a:solidFill>
+                  <a:srgbClr val="000000"/>
+                </a:solidFill>
+              </a:rPr>
+              <a:t>randomised</a:t>
+            </a:r>
+            <a:r>
+              <a:rPr lang="en-US" altLang="en-US" sz="1800" dirty="0">
+                <a:solidFill>
+                  <a:srgbClr val="000000"/>
+                </a:solidFill>
+              </a:rPr>
+              <a:t> search.</a:t>
+            </a:r>
+          </a:p>
+          <a:p>
+            <a:pPr marL="342900" lvl="0" indent="-342900">
+              <a:lnSpc>
+                <a:spcPct val="100000"/>
+              </a:lnSpc>
+              <a:buFont typeface="+mj-lt"/>
+              <a:buAutoNum type="arabicPeriod"/>
+            </a:pPr>
+            <a:endParaRPr lang="en-US" altLang="en-US" sz="1800" dirty="0">
+              <a:solidFill>
+                <a:srgbClr val="000000"/>
+              </a:solidFill>
+            </a:endParaRPr>
+          </a:p>
+          <a:p>
+            <a:pPr marL="342900" lvl="0" indent="-342900">
+              <a:lnSpc>
+                <a:spcPct val="100000"/>
+              </a:lnSpc>
+              <a:buFont typeface="+mj-lt"/>
+              <a:buAutoNum type="arabicPeriod"/>
+            </a:pPr>
+            <a:r>
+              <a:rPr lang="en-US" altLang="en-US" sz="1800" dirty="0">
+                <a:solidFill>
+                  <a:srgbClr val="000000"/>
+                </a:solidFill>
+              </a:rPr>
+              <a:t> Deploy as a lightweight API for predictions.</a:t>
+            </a:r>
+            <a:endParaRPr lang="en-US" altLang="en-US" sz="1800" dirty="0"/>
+          </a:p>
+        </p:txBody>
+      </p:sp>
+    </p:spTree>
+    <p:extLst>
+      <p:ext uri="{BB962C8B-B14F-4D97-AF65-F5344CB8AC3E}">
+        <p14:creationId xmlns:p14="http://schemas.microsoft.com/office/powerpoint/2010/main" val="1032759719"/>
       </p:ext>
     </p:extLst>
   </p:cSld>
